--- a/7. Javascript/Slides/JS Arrays und Objekte.pptx
+++ b/7. Javascript/Slides/JS Arrays und Objekte.pptx
@@ -19,8 +19,9 @@
     <p:sldId id="378" r:id="rId13"/>
     <p:sldId id="379" r:id="rId14"/>
     <p:sldId id="404" r:id="rId15"/>
-    <p:sldId id="366" r:id="rId16"/>
-    <p:sldId id="292" r:id="rId17"/>
+    <p:sldId id="406" r:id="rId16"/>
+    <p:sldId id="407" r:id="rId17"/>
+    <p:sldId id="292" r:id="rId18"/>
   </p:sldIdLst>
   <p:sldSz cx="12192000" cy="6858000"/>
   <p:notesSz cx="6858000" cy="9144000"/>
@@ -278,7 +279,7 @@
           <a:p>
             <a:fld id="{B6D41BCC-AD73-4203-A5A6-E62EB28B0FE6}" type="datetimeFigureOut">
               <a:rPr lang="en-US" smtClean="0"/>
-              <a:t>11/6/2023</a:t>
+              <a:t>11/7/2023</a:t>
             </a:fld>
             <a:endParaRPr lang="en-US"/>
           </a:p>
@@ -486,7 +487,7 @@
           <a:p>
             <a:fld id="{B6D41BCC-AD73-4203-A5A6-E62EB28B0FE6}" type="datetimeFigureOut">
               <a:rPr lang="en-US" smtClean="0"/>
-              <a:t>11/6/2023</a:t>
+              <a:t>11/7/2023</a:t>
             </a:fld>
             <a:endParaRPr lang="en-US"/>
           </a:p>
@@ -694,7 +695,7 @@
           <a:p>
             <a:fld id="{B6D41BCC-AD73-4203-A5A6-E62EB28B0FE6}" type="datetimeFigureOut">
               <a:rPr lang="en-US" smtClean="0"/>
-              <a:t>11/6/2023</a:t>
+              <a:t>11/7/2023</a:t>
             </a:fld>
             <a:endParaRPr lang="en-US"/>
           </a:p>
@@ -892,7 +893,7 @@
           <a:p>
             <a:fld id="{B6D41BCC-AD73-4203-A5A6-E62EB28B0FE6}" type="datetimeFigureOut">
               <a:rPr lang="en-US" smtClean="0"/>
-              <a:t>11/6/2023</a:t>
+              <a:t>11/7/2023</a:t>
             </a:fld>
             <a:endParaRPr lang="en-US"/>
           </a:p>
@@ -1301,7 +1302,7 @@
           <a:p>
             <a:fld id="{B6D41BCC-AD73-4203-A5A6-E62EB28B0FE6}" type="datetimeFigureOut">
               <a:rPr lang="en-US" smtClean="0"/>
-              <a:t>11/6/2023</a:t>
+              <a:t>11/7/2023</a:t>
             </a:fld>
             <a:endParaRPr lang="en-US"/>
           </a:p>
@@ -1571,7 +1572,7 @@
           <a:p>
             <a:fld id="{B6D41BCC-AD73-4203-A5A6-E62EB28B0FE6}" type="datetimeFigureOut">
               <a:rPr lang="en-US" smtClean="0"/>
-              <a:t>11/6/2023</a:t>
+              <a:t>11/7/2023</a:t>
             </a:fld>
             <a:endParaRPr lang="en-US"/>
           </a:p>
@@ -1987,7 +1988,7 @@
           <a:p>
             <a:fld id="{B6D41BCC-AD73-4203-A5A6-E62EB28B0FE6}" type="datetimeFigureOut">
               <a:rPr lang="en-US" smtClean="0"/>
-              <a:t>11/6/2023</a:t>
+              <a:t>11/7/2023</a:t>
             </a:fld>
             <a:endParaRPr lang="en-US"/>
           </a:p>
@@ -2128,7 +2129,7 @@
           <a:p>
             <a:fld id="{B6D41BCC-AD73-4203-A5A6-E62EB28B0FE6}" type="datetimeFigureOut">
               <a:rPr lang="en-US" smtClean="0"/>
-              <a:t>11/6/2023</a:t>
+              <a:t>11/7/2023</a:t>
             </a:fld>
             <a:endParaRPr lang="en-US"/>
           </a:p>
@@ -2241,7 +2242,7 @@
           <a:p>
             <a:fld id="{B6D41BCC-AD73-4203-A5A6-E62EB28B0FE6}" type="datetimeFigureOut">
               <a:rPr lang="en-US" smtClean="0"/>
-              <a:t>11/6/2023</a:t>
+              <a:t>11/7/2023</a:t>
             </a:fld>
             <a:endParaRPr lang="en-US"/>
           </a:p>
@@ -2567,7 +2568,7 @@
           <a:p>
             <a:fld id="{B6D41BCC-AD73-4203-A5A6-E62EB28B0FE6}" type="datetimeFigureOut">
               <a:rPr lang="en-US" smtClean="0"/>
-              <a:t>11/6/2023</a:t>
+              <a:t>11/7/2023</a:t>
             </a:fld>
             <a:endParaRPr lang="en-US"/>
           </a:p>
@@ -2855,7 +2856,7 @@
           <a:p>
             <a:fld id="{B6D41BCC-AD73-4203-A5A6-E62EB28B0FE6}" type="datetimeFigureOut">
               <a:rPr lang="en-US" smtClean="0"/>
-              <a:t>11/6/2023</a:t>
+              <a:t>11/7/2023</a:t>
             </a:fld>
             <a:endParaRPr lang="en-US"/>
           </a:p>
@@ -3095,7 +3096,7 @@
             <a:fld id="{B6D41BCC-AD73-4203-A5A6-E62EB28B0FE6}" type="datetimeFigureOut">
               <a:rPr lang="en-US" smtClean="0"/>
               <a:pPr/>
-              <a:t>11/6/2023</a:t>
+              <a:t>11/7/2023</a:t>
             </a:fld>
             <a:endParaRPr lang="en-US"/>
           </a:p>
@@ -3569,7 +3570,7 @@
                 <a16:creationId xmlns:a16="http://schemas.microsoft.com/office/drawing/2014/main" id="{BE229233-9672-4675-99B7-6CBCEF1CD415}"/>
               </a:ext>
               <a:ext uri="{C183D7F6-B498-43B3-948B-1728B52AA6E4}">
-                <adec:decorative xmlns:adec="http://schemas.microsoft.com/office/drawing/2017/decorative" xmlns="" val="1"/>
+                <adec:decorative xmlns="" xmlns:adec="http://schemas.microsoft.com/office/drawing/2017/decorative" val="1"/>
               </a:ext>
             </a:extLst>
           </p:cNvPr>
@@ -3664,7 +3665,7 @@
                 <a16:creationId xmlns:a16="http://schemas.microsoft.com/office/drawing/2014/main" id="{EC5FF010-B53C-46BE-BEEF-AF926A00F67F}"/>
               </a:ext>
               <a:ext uri="{C183D7F6-B498-43B3-948B-1728B52AA6E4}">
-                <adec:decorative xmlns:adec="http://schemas.microsoft.com/office/drawing/2017/decorative" xmlns="" val="1"/>
+                <adec:decorative xmlns="" xmlns:adec="http://schemas.microsoft.com/office/drawing/2017/decorative" val="1"/>
               </a:ext>
             </a:extLst>
           </p:cNvPr>
@@ -3730,7 +3731,7 @@
                 <a16:creationId xmlns:a16="http://schemas.microsoft.com/office/drawing/2014/main" id="{8509AD9C-1F43-4138-A72B-8CA988EDD475}"/>
               </a:ext>
               <a:ext uri="{C183D7F6-B498-43B3-948B-1728B52AA6E4}">
-                <adec:decorative xmlns:adec="http://schemas.microsoft.com/office/drawing/2017/decorative" xmlns="" val="1"/>
+                <adec:decorative xmlns="" xmlns:adec="http://schemas.microsoft.com/office/drawing/2017/decorative" val="1"/>
               </a:ext>
             </a:extLst>
           </p:cNvPr>
@@ -3820,10 +3821,6 @@
             <a:r>
               <a:rPr lang="de-AT" sz="2800" dirty="0" smtClean="0"/>
               <a:t>JavaScript </a:t>
-            </a:r>
-            <a:r>
-              <a:rPr lang="de-AT" sz="2800" dirty="0" smtClean="0"/>
-              <a:t/>
             </a:r>
             <a:br>
               <a:rPr lang="de-AT" sz="2800" dirty="0" smtClean="0"/>
@@ -4942,7 +4939,6 @@
               <a:rPr lang="en-US" dirty="0"/>
               <a:t>.</a:t>
             </a:r>
-            <a:endParaRPr lang="en-US" dirty="0"/>
           </a:p>
         </p:txBody>
       </p:sp>
@@ -5284,15 +5280,7 @@
           <a:p>
             <a:r>
               <a:rPr lang="de-AT" dirty="0" smtClean="0"/>
-              <a:t>Übungen </a:t>
-            </a:r>
-            <a:r>
-              <a:rPr lang="de-AT" dirty="0" smtClean="0"/>
-              <a:t>zu </a:t>
-            </a:r>
-            <a:r>
-              <a:rPr lang="de-AT" dirty="0" smtClean="0"/>
-              <a:t>Arrays &amp; Objekte</a:t>
+              <a:t>Übungen zu Arrays &amp; Objekte</a:t>
             </a:r>
             <a:endParaRPr lang="en-US" dirty="0"/>
           </a:p>
@@ -5576,8 +5564,8 @@
           <a:lstStyle/>
           <a:p>
             <a:r>
-              <a:rPr lang="de-AT" dirty="0" smtClean="0"/>
-              <a:t>JavaScript Übungen als Wiederholung</a:t>
+              <a:rPr lang="de-AT" dirty="0" err="1" smtClean="0"/>
+              <a:t>Konstruktorfunktion</a:t>
             </a:r>
             <a:endParaRPr lang="en-US" dirty="0"/>
           </a:p>
@@ -5593,116 +5581,259 @@
             <p:ph idx="1"/>
           </p:nvPr>
         </p:nvSpPr>
-        <p:spPr/>
-        <p:txBody>
-          <a:bodyPr/>
+        <p:spPr>
+          <a:xfrm>
+            <a:off x="767861" y="1989193"/>
+            <a:ext cx="6037385" cy="4137259"/>
+          </a:xfrm>
+        </p:spPr>
+        <p:txBody>
+          <a:bodyPr>
+            <a:normAutofit/>
+          </a:bodyPr>
           <a:lstStyle/>
           <a:p>
             <a:r>
-              <a:rPr lang="de-AT" dirty="0">
-                <a:hlinkClick r:id="rId2"/>
-              </a:rPr>
-              <a:t>https://</a:t>
-            </a:r>
-            <a:r>
-              <a:rPr lang="de-AT" dirty="0" smtClean="0">
-                <a:hlinkClick r:id="rId2"/>
-              </a:rPr>
-              <a:t>www.w3schools.com/js/exercise_js.asp?filename=exercise_js_functions1</a:t>
-            </a:r>
-            <a:r>
-              <a:rPr lang="de-AT" dirty="0" smtClean="0"/>
-              <a:t>  </a:t>
-            </a:r>
-            <a:endParaRPr lang="de-AT" dirty="0"/>
-          </a:p>
-          <a:p>
-            <a:r>
-              <a:rPr lang="de-AT" dirty="0" err="1" smtClean="0"/>
-              <a:t>Functions</a:t>
-            </a:r>
-            <a:endParaRPr lang="de-AT" dirty="0" smtClean="0"/>
-          </a:p>
-          <a:p>
-            <a:r>
-              <a:rPr lang="de-AT" dirty="0" err="1" smtClean="0"/>
-              <a:t>Conditions</a:t>
-            </a:r>
-            <a:endParaRPr lang="de-AT" dirty="0" smtClean="0"/>
-          </a:p>
-          <a:p>
-            <a:r>
-              <a:rPr lang="de-AT" dirty="0" smtClean="0"/>
-              <a:t>Switch</a:t>
-            </a:r>
-          </a:p>
-          <a:p>
-            <a:endParaRPr lang="en-US" dirty="0"/>
+              <a:rPr lang="de-DE" dirty="0" err="1"/>
+              <a:t>Konstruktorfunktionen</a:t>
+            </a:r>
+            <a:r>
+              <a:rPr lang="de-DE" dirty="0"/>
+              <a:t> werden verwendet, um Objekte mit gleicher Struktur und Verhalten zu erstellen.</a:t>
+            </a:r>
+          </a:p>
+          <a:p>
+            <a:r>
+              <a:rPr lang="de-DE" dirty="0"/>
+              <a:t>Sie verwenden das '</a:t>
+            </a:r>
+            <a:r>
+              <a:rPr lang="de-DE" dirty="0" err="1"/>
+              <a:t>new</a:t>
+            </a:r>
+            <a:r>
+              <a:rPr lang="de-DE" dirty="0"/>
+              <a:t>'-Schlüsselwort und '</a:t>
+            </a:r>
+            <a:r>
+              <a:rPr lang="de-DE" dirty="0" err="1"/>
+              <a:t>this</a:t>
+            </a:r>
+            <a:r>
+              <a:rPr lang="de-DE" dirty="0"/>
+              <a:t>', um Eigenschaften und Methoden dem erstellten Objekt zuzuweisen.</a:t>
+            </a:r>
+          </a:p>
+          <a:p>
+            <a:r>
+              <a:rPr lang="de-DE" dirty="0"/>
+              <a:t>Konventionell sind </a:t>
+            </a:r>
+            <a:r>
+              <a:rPr lang="de-DE" dirty="0" err="1"/>
+              <a:t>Konstruktorfunktionen</a:t>
+            </a:r>
+            <a:r>
+              <a:rPr lang="de-DE" dirty="0"/>
+              <a:t> mit einem Anfangsbuchstaben in Großbuchstaben benannt.</a:t>
+            </a:r>
           </a:p>
         </p:txBody>
       </p:sp>
       <p:pic>
         <p:nvPicPr>
-          <p:cNvPr id="5122" name="Picture 2" descr="W3Schools - Վիքիպեդիա՝ ազատ հանրագիտարան"/>
+          <p:cNvPr id="6" name="Grafik 5"/>
           <p:cNvPicPr>
-            <a:picLocks noChangeAspect="1" noChangeArrowheads="1"/>
+            <a:picLocks noChangeAspect="1"/>
           </p:cNvPicPr>
           <p:nvPr/>
         </p:nvPicPr>
         <p:blipFill>
-          <a:blip r:embed="rId3" cstate="hqprint">
-            <a:extLst>
-              <a:ext uri="{28A0092B-C50C-407E-A947-70E740481C1C}">
-                <a14:useLocalDpi xmlns:a14="http://schemas.microsoft.com/office/drawing/2010/main" val="0"/>
-              </a:ext>
-            </a:extLst>
-          </a:blip>
-          <a:srcRect/>
+          <a:blip r:embed="rId2"/>
           <a:stretch>
             <a:fillRect/>
           </a:stretch>
         </p:blipFill>
-        <p:spPr bwMode="auto">
+        <p:spPr>
           <a:xfrm>
-            <a:off x="5806440" y="2809467"/>
-            <a:ext cx="3088112" cy="2915693"/>
+            <a:off x="6896099" y="2057400"/>
+            <a:ext cx="5070824" cy="3595280"/>
           </a:xfrm>
           <a:prstGeom prst="rect">
             <a:avLst/>
           </a:prstGeom>
-          <a:noFill/>
-          <a:extLst>
-            <a:ext uri="{909E8E84-426E-40DD-AFC4-6F175D3DCCD1}">
-              <a14:hiddenFill xmlns:a14="http://schemas.microsoft.com/office/drawing/2010/main">
-                <a:solidFill>
-                  <a:srgbClr val="FFFFFF"/>
-                </a:solidFill>
-              </a14:hiddenFill>
-            </a:ext>
-          </a:extLst>
         </p:spPr>
       </p:pic>
     </p:spTree>
     <p:extLst>
       <p:ext uri="{BB962C8B-B14F-4D97-AF65-F5344CB8AC3E}">
-        <p14:creationId xmlns:p14="http://schemas.microsoft.com/office/powerpoint/2010/main" val="1994412104"/>
+        <p14:creationId xmlns:p14="http://schemas.microsoft.com/office/powerpoint/2010/main" val="51085924"/>
       </p:ext>
     </p:extLst>
   </p:cSld>
   <p:clrMapOvr>
     <a:masterClrMapping/>
   </p:clrMapOvr>
-  <p:timing>
-    <p:tnLst>
-      <p:par>
-        <p:cTn id="1" dur="indefinite" restart="never" nodeType="tmRoot"/>
-      </p:par>
-    </p:tnLst>
-  </p:timing>
 </p:sld>
 </file>
 
 <file path=ppt/slides/slide16.xml><?xml version="1.0" encoding="utf-8"?>
+<p:sld xmlns:a="http://schemas.openxmlformats.org/drawingml/2006/main" xmlns:r="http://schemas.openxmlformats.org/officeDocument/2006/relationships" xmlns:p="http://schemas.openxmlformats.org/presentationml/2006/main">
+  <p:cSld>
+    <p:spTree>
+      <p:nvGrpSpPr>
+        <p:cNvPr id="1" name=""/>
+        <p:cNvGrpSpPr/>
+        <p:nvPr/>
+      </p:nvGrpSpPr>
+      <p:grpSpPr>
+        <a:xfrm>
+          <a:off x="0" y="0"/>
+          <a:ext cx="0" cy="0"/>
+          <a:chOff x="0" y="0"/>
+          <a:chExt cx="0" cy="0"/>
+        </a:xfrm>
+      </p:grpSpPr>
+      <p:sp>
+        <p:nvSpPr>
+          <p:cNvPr id="2" name="Titel 1"/>
+          <p:cNvSpPr>
+            <a:spLocks noGrp="1"/>
+          </p:cNvSpPr>
+          <p:nvPr>
+            <p:ph type="title"/>
+          </p:nvPr>
+        </p:nvSpPr>
+        <p:spPr/>
+        <p:txBody>
+          <a:bodyPr/>
+          <a:lstStyle/>
+          <a:p>
+            <a:r>
+              <a:rPr lang="de-AT" dirty="0" smtClean="0"/>
+              <a:t>Factory Pattern</a:t>
+            </a:r>
+            <a:endParaRPr lang="en-US" dirty="0"/>
+          </a:p>
+        </p:txBody>
+      </p:sp>
+      <p:sp>
+        <p:nvSpPr>
+          <p:cNvPr id="3" name="Inhaltsplatzhalter 2"/>
+          <p:cNvSpPr>
+            <a:spLocks noGrp="1"/>
+          </p:cNvSpPr>
+          <p:nvPr>
+            <p:ph idx="1"/>
+          </p:nvPr>
+        </p:nvSpPr>
+        <p:spPr>
+          <a:xfrm>
+            <a:off x="747347" y="1951892"/>
+            <a:ext cx="5723792" cy="4242767"/>
+          </a:xfrm>
+        </p:spPr>
+        <p:txBody>
+          <a:bodyPr/>
+          <a:lstStyle/>
+          <a:p>
+            <a:r>
+              <a:rPr lang="de-DE" dirty="0" smtClean="0"/>
+              <a:t>Das </a:t>
+            </a:r>
+            <a:r>
+              <a:rPr lang="de-DE" dirty="0"/>
+              <a:t>Fabrikmuster ermöglicht die Erstellung von Objekten ohne Verwendung des '</a:t>
+            </a:r>
+            <a:r>
+              <a:rPr lang="de-DE" dirty="0" err="1"/>
+              <a:t>new</a:t>
+            </a:r>
+            <a:r>
+              <a:rPr lang="de-DE" dirty="0"/>
+              <a:t>'-</a:t>
+            </a:r>
+            <a:r>
+              <a:rPr lang="de-DE" dirty="0" smtClean="0"/>
+              <a:t>Schlüsselworts</a:t>
+            </a:r>
+          </a:p>
+          <a:p>
+            <a:r>
+              <a:rPr lang="de-DE" dirty="0" smtClean="0"/>
+              <a:t>Es </a:t>
+            </a:r>
+            <a:r>
+              <a:rPr lang="de-DE" dirty="0"/>
+              <a:t>verwendet eine Funktion, die ein Objekt mit Eigenschaften und möglicherweise Methoden </a:t>
+            </a:r>
+            <a:r>
+              <a:rPr lang="de-DE" dirty="0" smtClean="0"/>
+              <a:t>zurückgibt</a:t>
+            </a:r>
+            <a:endParaRPr lang="de-DE" dirty="0"/>
+          </a:p>
+          <a:p>
+            <a:r>
+              <a:rPr lang="de-DE" dirty="0" smtClean="0"/>
+              <a:t> </a:t>
+            </a:r>
+            <a:r>
+              <a:rPr lang="de-DE" dirty="0"/>
+              <a:t>Dieses Muster ist flexibler und erlaubt mehr Kontrolle über den Erstellungsprozess. </a:t>
+            </a:r>
+            <a:endParaRPr lang="de-DE" dirty="0"/>
+          </a:p>
+          <a:p>
+            <a:r>
+              <a:rPr lang="de-DE" dirty="0" smtClean="0"/>
+              <a:t>Es </a:t>
+            </a:r>
+            <a:r>
+              <a:rPr lang="de-DE" dirty="0"/>
+              <a:t>erleichtert die Erstellung von Objekten mit unterschiedlichen Eigenschaftswerten basierend auf den übergebenen Parametern.</a:t>
+            </a:r>
+          </a:p>
+        </p:txBody>
+      </p:sp>
+      <p:pic>
+        <p:nvPicPr>
+          <p:cNvPr id="4" name="Grafik 3"/>
+          <p:cNvPicPr>
+            <a:picLocks noChangeAspect="1"/>
+          </p:cNvPicPr>
+          <p:nvPr/>
+        </p:nvPicPr>
+        <p:blipFill>
+          <a:blip r:embed="rId2"/>
+          <a:stretch>
+            <a:fillRect/>
+          </a:stretch>
+        </p:blipFill>
+        <p:spPr>
+          <a:xfrm>
+            <a:off x="6318358" y="2174788"/>
+            <a:ext cx="5664921" cy="2458757"/>
+          </a:xfrm>
+          <a:prstGeom prst="rect">
+            <a:avLst/>
+          </a:prstGeom>
+        </p:spPr>
+      </p:pic>
+    </p:spTree>
+    <p:extLst>
+      <p:ext uri="{BB962C8B-B14F-4D97-AF65-F5344CB8AC3E}">
+        <p14:creationId xmlns:p14="http://schemas.microsoft.com/office/powerpoint/2010/main" val="3111998224"/>
+      </p:ext>
+    </p:extLst>
+  </p:cSld>
+  <p:clrMapOvr>
+    <a:masterClrMapping/>
+  </p:clrMapOvr>
+</p:sld>
+</file>
+
+<file path=ppt/slides/slide17.xml><?xml version="1.0" encoding="utf-8"?>
 <p:sld xmlns:a="http://schemas.openxmlformats.org/drawingml/2006/main" xmlns:r="http://schemas.openxmlformats.org/officeDocument/2006/relationships" xmlns:p="http://schemas.openxmlformats.org/presentationml/2006/main">
   <p:cSld>
     <p:spTree>
@@ -6085,7 +6216,7 @@
                 <a16:creationId xmlns:a16="http://schemas.microsoft.com/office/drawing/2014/main" id="{BE229233-9672-4675-99B7-6CBCEF1CD415}"/>
               </a:ext>
               <a:ext uri="{C183D7F6-B498-43B3-948B-1728B52AA6E4}">
-                <adec:decorative xmlns:adec="http://schemas.microsoft.com/office/drawing/2017/decorative" xmlns="" val="1"/>
+                <adec:decorative xmlns="" xmlns:adec="http://schemas.microsoft.com/office/drawing/2017/decorative" val="1"/>
               </a:ext>
             </a:extLst>
           </p:cNvPr>
@@ -6180,7 +6311,7 @@
                 <a16:creationId xmlns:a16="http://schemas.microsoft.com/office/drawing/2014/main" id="{EC5FF010-B53C-46BE-BEEF-AF926A00F67F}"/>
               </a:ext>
               <a:ext uri="{C183D7F6-B498-43B3-948B-1728B52AA6E4}">
-                <adec:decorative xmlns:adec="http://schemas.microsoft.com/office/drawing/2017/decorative" xmlns="" val="1"/>
+                <adec:decorative xmlns="" xmlns:adec="http://schemas.microsoft.com/office/drawing/2017/decorative" val="1"/>
               </a:ext>
             </a:extLst>
           </p:cNvPr>
@@ -6246,7 +6377,7 @@
                 <a16:creationId xmlns:a16="http://schemas.microsoft.com/office/drawing/2014/main" id="{8509AD9C-1F43-4138-A72B-8CA988EDD475}"/>
               </a:ext>
               <a:ext uri="{C183D7F6-B498-43B3-948B-1728B52AA6E4}">
-                <adec:decorative xmlns:adec="http://schemas.microsoft.com/office/drawing/2017/decorative" xmlns="" val="1"/>
+                <adec:decorative xmlns="" xmlns:adec="http://schemas.microsoft.com/office/drawing/2017/decorative" val="1"/>
               </a:ext>
             </a:extLst>
           </p:cNvPr>
@@ -6514,7 +6645,6 @@
               <a:rPr lang="en-US" dirty="0"/>
               <a:t>.</a:t>
             </a:r>
-            <a:endParaRPr lang="en-US" dirty="0"/>
           </a:p>
         </p:txBody>
       </p:sp>
@@ -6929,7 +7059,6 @@
               <a:rPr lang="de-DE" dirty="0"/>
               <a:t>ist in JS kein Laufzeitfehler!</a:t>
             </a:r>
-            <a:endParaRPr lang="de-DE" dirty="0"/>
           </a:p>
         </p:txBody>
       </p:sp>
@@ -7414,7 +7543,6 @@
               <a:rPr lang="en-US" dirty="0"/>
               <a:t>.</a:t>
             </a:r>
-            <a:endParaRPr lang="en-US" dirty="0"/>
           </a:p>
         </p:txBody>
       </p:sp>
@@ -8146,11 +8274,7 @@
           <a:p>
             <a:r>
               <a:rPr lang="de-AT" dirty="0" smtClean="0"/>
-              <a:t>Übung zu </a:t>
-            </a:r>
-            <a:r>
-              <a:rPr lang="de-AT" dirty="0" smtClean="0"/>
-              <a:t>Arrays „Wer bezahlt die Rechnung“</a:t>
+              <a:t>Übung zu Arrays „Wer bezahlt die Rechnung“</a:t>
             </a:r>
             <a:endParaRPr lang="en-US" dirty="0"/>
           </a:p>
@@ -8365,7 +8489,7 @@
                 <a16:creationId xmlns:a16="http://schemas.microsoft.com/office/drawing/2014/main" id="{BE229233-9672-4675-99B7-6CBCEF1CD415}"/>
               </a:ext>
               <a:ext uri="{C183D7F6-B498-43B3-948B-1728B52AA6E4}">
-                <adec:decorative xmlns:adec="http://schemas.microsoft.com/office/drawing/2017/decorative" xmlns="" val="1"/>
+                <adec:decorative xmlns="" xmlns:adec="http://schemas.microsoft.com/office/drawing/2017/decorative" val="1"/>
               </a:ext>
             </a:extLst>
           </p:cNvPr>
@@ -8460,7 +8584,7 @@
                 <a16:creationId xmlns:a16="http://schemas.microsoft.com/office/drawing/2014/main" id="{EC5FF010-B53C-46BE-BEEF-AF926A00F67F}"/>
               </a:ext>
               <a:ext uri="{C183D7F6-B498-43B3-948B-1728B52AA6E4}">
-                <adec:decorative xmlns:adec="http://schemas.microsoft.com/office/drawing/2017/decorative" xmlns="" val="1"/>
+                <adec:decorative xmlns="" xmlns:adec="http://schemas.microsoft.com/office/drawing/2017/decorative" val="1"/>
               </a:ext>
             </a:extLst>
           </p:cNvPr>
@@ -8526,7 +8650,7 @@
                 <a16:creationId xmlns:a16="http://schemas.microsoft.com/office/drawing/2014/main" id="{8509AD9C-1F43-4138-A72B-8CA988EDD475}"/>
               </a:ext>
               <a:ext uri="{C183D7F6-B498-43B3-948B-1728B52AA6E4}">
-                <adec:decorative xmlns:adec="http://schemas.microsoft.com/office/drawing/2017/decorative" xmlns="" val="1"/>
+                <adec:decorative xmlns="" xmlns:adec="http://schemas.microsoft.com/office/drawing/2017/decorative" val="1"/>
               </a:ext>
             </a:extLst>
           </p:cNvPr>

--- a/7. Javascript/Slides/JS Arrays und Objekte.pptx
+++ b/7. Javascript/Slides/JS Arrays und Objekte.pptx
@@ -14,14 +14,19 @@
     <p:sldId id="402" r:id="rId8"/>
     <p:sldId id="398" r:id="rId9"/>
     <p:sldId id="367" r:id="rId10"/>
-    <p:sldId id="293" r:id="rId11"/>
-    <p:sldId id="377" r:id="rId12"/>
-    <p:sldId id="378" r:id="rId13"/>
-    <p:sldId id="379" r:id="rId14"/>
-    <p:sldId id="404" r:id="rId15"/>
-    <p:sldId id="406" r:id="rId16"/>
-    <p:sldId id="407" r:id="rId17"/>
-    <p:sldId id="292" r:id="rId18"/>
+    <p:sldId id="409" r:id="rId11"/>
+    <p:sldId id="410" r:id="rId12"/>
+    <p:sldId id="411" r:id="rId13"/>
+    <p:sldId id="412" r:id="rId14"/>
+    <p:sldId id="408" r:id="rId15"/>
+    <p:sldId id="293" r:id="rId16"/>
+    <p:sldId id="377" r:id="rId17"/>
+    <p:sldId id="378" r:id="rId18"/>
+    <p:sldId id="379" r:id="rId19"/>
+    <p:sldId id="404" r:id="rId20"/>
+    <p:sldId id="406" r:id="rId21"/>
+    <p:sldId id="407" r:id="rId22"/>
+    <p:sldId id="292" r:id="rId23"/>
   </p:sldIdLst>
   <p:sldSz cx="12192000" cy="6858000"/>
   <p:notesSz cx="6858000" cy="9144000"/>
@@ -279,7 +284,7 @@
           <a:p>
             <a:fld id="{B6D41BCC-AD73-4203-A5A6-E62EB28B0FE6}" type="datetimeFigureOut">
               <a:rPr lang="en-US" smtClean="0"/>
-              <a:t>11/7/2023</a:t>
+              <a:t>11/14/2023</a:t>
             </a:fld>
             <a:endParaRPr lang="en-US"/>
           </a:p>
@@ -487,7 +492,7 @@
           <a:p>
             <a:fld id="{B6D41BCC-AD73-4203-A5A6-E62EB28B0FE6}" type="datetimeFigureOut">
               <a:rPr lang="en-US" smtClean="0"/>
-              <a:t>11/7/2023</a:t>
+              <a:t>11/14/2023</a:t>
             </a:fld>
             <a:endParaRPr lang="en-US"/>
           </a:p>
@@ -695,7 +700,7 @@
           <a:p>
             <a:fld id="{B6D41BCC-AD73-4203-A5A6-E62EB28B0FE6}" type="datetimeFigureOut">
               <a:rPr lang="en-US" smtClean="0"/>
-              <a:t>11/7/2023</a:t>
+              <a:t>11/14/2023</a:t>
             </a:fld>
             <a:endParaRPr lang="en-US"/>
           </a:p>
@@ -893,7 +898,7 @@
           <a:p>
             <a:fld id="{B6D41BCC-AD73-4203-A5A6-E62EB28B0FE6}" type="datetimeFigureOut">
               <a:rPr lang="en-US" smtClean="0"/>
-              <a:t>11/7/2023</a:t>
+              <a:t>11/14/2023</a:t>
             </a:fld>
             <a:endParaRPr lang="en-US"/>
           </a:p>
@@ -1302,7 +1307,7 @@
           <a:p>
             <a:fld id="{B6D41BCC-AD73-4203-A5A6-E62EB28B0FE6}" type="datetimeFigureOut">
               <a:rPr lang="en-US" smtClean="0"/>
-              <a:t>11/7/2023</a:t>
+              <a:t>11/14/2023</a:t>
             </a:fld>
             <a:endParaRPr lang="en-US"/>
           </a:p>
@@ -1572,7 +1577,7 @@
           <a:p>
             <a:fld id="{B6D41BCC-AD73-4203-A5A6-E62EB28B0FE6}" type="datetimeFigureOut">
               <a:rPr lang="en-US" smtClean="0"/>
-              <a:t>11/7/2023</a:t>
+              <a:t>11/14/2023</a:t>
             </a:fld>
             <a:endParaRPr lang="en-US"/>
           </a:p>
@@ -1988,7 +1993,7 @@
           <a:p>
             <a:fld id="{B6D41BCC-AD73-4203-A5A6-E62EB28B0FE6}" type="datetimeFigureOut">
               <a:rPr lang="en-US" smtClean="0"/>
-              <a:t>11/7/2023</a:t>
+              <a:t>11/14/2023</a:t>
             </a:fld>
             <a:endParaRPr lang="en-US"/>
           </a:p>
@@ -2129,7 +2134,7 @@
           <a:p>
             <a:fld id="{B6D41BCC-AD73-4203-A5A6-E62EB28B0FE6}" type="datetimeFigureOut">
               <a:rPr lang="en-US" smtClean="0"/>
-              <a:t>11/7/2023</a:t>
+              <a:t>11/14/2023</a:t>
             </a:fld>
             <a:endParaRPr lang="en-US"/>
           </a:p>
@@ -2242,7 +2247,7 @@
           <a:p>
             <a:fld id="{B6D41BCC-AD73-4203-A5A6-E62EB28B0FE6}" type="datetimeFigureOut">
               <a:rPr lang="en-US" smtClean="0"/>
-              <a:t>11/7/2023</a:t>
+              <a:t>11/14/2023</a:t>
             </a:fld>
             <a:endParaRPr lang="en-US"/>
           </a:p>
@@ -2568,7 +2573,7 @@
           <a:p>
             <a:fld id="{B6D41BCC-AD73-4203-A5A6-E62EB28B0FE6}" type="datetimeFigureOut">
               <a:rPr lang="en-US" smtClean="0"/>
-              <a:t>11/7/2023</a:t>
+              <a:t>11/14/2023</a:t>
             </a:fld>
             <a:endParaRPr lang="en-US"/>
           </a:p>
@@ -2856,7 +2861,7 @@
           <a:p>
             <a:fld id="{B6D41BCC-AD73-4203-A5A6-E62EB28B0FE6}" type="datetimeFigureOut">
               <a:rPr lang="en-US" smtClean="0"/>
-              <a:t>11/7/2023</a:t>
+              <a:t>11/14/2023</a:t>
             </a:fld>
             <a:endParaRPr lang="en-US"/>
           </a:p>
@@ -3096,7 +3101,7 @@
             <a:fld id="{B6D41BCC-AD73-4203-A5A6-E62EB28B0FE6}" type="datetimeFigureOut">
               <a:rPr lang="en-US" smtClean="0"/>
               <a:pPr/>
-              <a:t>11/7/2023</a:t>
+              <a:t>11/14/2023</a:t>
             </a:fld>
             <a:endParaRPr lang="en-US"/>
           </a:p>
@@ -3570,7 +3575,7 @@
                 <a16:creationId xmlns:a16="http://schemas.microsoft.com/office/drawing/2014/main" id="{BE229233-9672-4675-99B7-6CBCEF1CD415}"/>
               </a:ext>
               <a:ext uri="{C183D7F6-B498-43B3-948B-1728B52AA6E4}">
-                <adec:decorative xmlns="" xmlns:adec="http://schemas.microsoft.com/office/drawing/2017/decorative" val="1"/>
+                <adec:decorative xmlns:adec="http://schemas.microsoft.com/office/drawing/2017/decorative" val="1"/>
               </a:ext>
             </a:extLst>
           </p:cNvPr>
@@ -3665,7 +3670,7 @@
                 <a16:creationId xmlns:a16="http://schemas.microsoft.com/office/drawing/2014/main" id="{EC5FF010-B53C-46BE-BEEF-AF926A00F67F}"/>
               </a:ext>
               <a:ext uri="{C183D7F6-B498-43B3-948B-1728B52AA6E4}">
-                <adec:decorative xmlns="" xmlns:adec="http://schemas.microsoft.com/office/drawing/2017/decorative" val="1"/>
+                <adec:decorative xmlns:adec="http://schemas.microsoft.com/office/drawing/2017/decorative" val="1"/>
               </a:ext>
             </a:extLst>
           </p:cNvPr>
@@ -3731,7 +3736,7 @@
                 <a16:creationId xmlns:a16="http://schemas.microsoft.com/office/drawing/2014/main" id="{8509AD9C-1F43-4138-A72B-8CA988EDD475}"/>
               </a:ext>
               <a:ext uri="{C183D7F6-B498-43B3-948B-1728B52AA6E4}">
-                <adec:decorative xmlns="" xmlns:adec="http://schemas.microsoft.com/office/drawing/2017/decorative" val="1"/>
+                <adec:decorative xmlns:adec="http://schemas.microsoft.com/office/drawing/2017/decorative" val="1"/>
               </a:ext>
             </a:extLst>
           </p:cNvPr>
@@ -3819,17 +3824,16 @@
           <a:p>
             <a:pPr algn="ctr"/>
             <a:r>
-              <a:rPr lang="de-AT" sz="2800" dirty="0" smtClean="0"/>
+              <a:rPr lang="de-AT" sz="2800" dirty="0"/>
               <a:t>JavaScript </a:t>
             </a:r>
             <a:br>
-              <a:rPr lang="de-AT" sz="2800" dirty="0" smtClean="0"/>
+              <a:rPr lang="de-AT" sz="2800" dirty="0"/>
             </a:br>
             <a:r>
-              <a:rPr lang="de-AT" sz="2800" dirty="0" smtClean="0"/>
+              <a:rPr lang="de-AT" sz="2800" dirty="0"/>
               <a:t>Arrays &amp; Objekte</a:t>
             </a:r>
-            <a:endParaRPr lang="de-AT" sz="2800" dirty="0"/>
           </a:p>
         </p:txBody>
       </p:sp>
@@ -3884,13 +3888,6 @@
   <p:clrMapOvr>
     <a:masterClrMapping/>
   </p:clrMapOvr>
-  <p:timing>
-    <p:tnLst>
-      <p:par>
-        <p:cTn id="1" dur="indefinite" restart="never" nodeType="tmRoot"/>
-      </p:par>
-    </p:tnLst>
-  </p:timing>
 </p:sld>
 </file>
 
@@ -3913,6 +3910,2099 @@
       </p:grpSpPr>
       <p:sp>
         <p:nvSpPr>
+          <p:cNvPr id="2" name="Titel 1"/>
+          <p:cNvSpPr>
+            <a:spLocks noGrp="1"/>
+          </p:cNvSpPr>
+          <p:nvPr>
+            <p:ph type="title"/>
+          </p:nvPr>
+        </p:nvSpPr>
+        <p:spPr>
+          <a:xfrm>
+            <a:off x="1480037" y="685800"/>
+            <a:ext cx="8915402" cy="1371600"/>
+          </a:xfrm>
+        </p:spPr>
+        <p:txBody>
+          <a:bodyPr/>
+          <a:lstStyle/>
+          <a:p>
+            <a:r>
+              <a:rPr lang="de-AT" dirty="0"/>
+              <a:t>Array Methoden</a:t>
+            </a:r>
+            <a:endParaRPr lang="en-US" dirty="0"/>
+          </a:p>
+        </p:txBody>
+      </p:sp>
+      <p:sp>
+        <p:nvSpPr>
+          <p:cNvPr id="3" name="Inhaltsplatzhalter 2"/>
+          <p:cNvSpPr>
+            <a:spLocks noGrp="1"/>
+          </p:cNvSpPr>
+          <p:nvPr>
+            <p:ph idx="1"/>
+          </p:nvPr>
+        </p:nvSpPr>
+        <p:spPr>
+          <a:xfrm>
+            <a:off x="435742" y="1742133"/>
+            <a:ext cx="8498533" cy="4643872"/>
+          </a:xfrm>
+        </p:spPr>
+        <p:txBody>
+          <a:bodyPr>
+            <a:normAutofit fontScale="85000" lnSpcReduction="10000"/>
+          </a:bodyPr>
+          <a:lstStyle/>
+          <a:p>
+            <a:r>
+              <a:rPr lang="de-AT" dirty="0" err="1"/>
+              <a:t>Javascript</a:t>
+            </a:r>
+            <a:r>
+              <a:rPr lang="de-AT" dirty="0"/>
+              <a:t> bietet eine Vielzahl an Methoden um Arrays zu bearbeiten</a:t>
+            </a:r>
+          </a:p>
+          <a:p>
+            <a:r>
+              <a:rPr lang="de-AT" dirty="0"/>
+              <a:t>Beispiele dafür:</a:t>
+            </a:r>
+          </a:p>
+          <a:p>
+            <a:pPr lvl="1"/>
+            <a:r>
+              <a:rPr lang="de-AT" sz="1300" b="1" dirty="0" err="1"/>
+              <a:t>length</a:t>
+            </a:r>
+            <a:r>
+              <a:rPr lang="de-AT" sz="1300" b="1" dirty="0"/>
+              <a:t>:</a:t>
+            </a:r>
+            <a:r>
+              <a:rPr lang="de-AT" sz="1300" dirty="0"/>
+              <a:t> Gibt die Anzahl der Elemente in einem Array zurück.</a:t>
+            </a:r>
+          </a:p>
+          <a:p>
+            <a:pPr lvl="1"/>
+            <a:r>
+              <a:rPr lang="de-AT" sz="1300" b="1" dirty="0" err="1"/>
+              <a:t>toString</a:t>
+            </a:r>
+            <a:r>
+              <a:rPr lang="de-AT" sz="1300" b="1" dirty="0"/>
+              <a:t>():</a:t>
+            </a:r>
+            <a:r>
+              <a:rPr lang="de-AT" sz="1300" dirty="0"/>
+              <a:t> Konvertiert alle Elemente eines Arrays zu einer Zeichenkettenrepräsentation und gibt diese als neuen String zurück.</a:t>
+            </a:r>
+          </a:p>
+          <a:p>
+            <a:pPr lvl="1"/>
+            <a:r>
+              <a:rPr lang="de-AT" sz="1300" b="1" dirty="0" err="1"/>
+              <a:t>pop</a:t>
+            </a:r>
+            <a:r>
+              <a:rPr lang="de-AT" sz="1300" b="1" dirty="0"/>
+              <a:t>():</a:t>
+            </a:r>
+            <a:r>
+              <a:rPr lang="de-AT" sz="1300" dirty="0"/>
+              <a:t> Entfernt das letzte Element aus einem Array und gibt dieses Element zurück.</a:t>
+            </a:r>
+          </a:p>
+          <a:p>
+            <a:pPr lvl="1"/>
+            <a:r>
+              <a:rPr lang="de-AT" sz="1300" b="1" dirty="0"/>
+              <a:t>push():</a:t>
+            </a:r>
+            <a:r>
+              <a:rPr lang="de-AT" sz="1300" dirty="0"/>
+              <a:t> Fügt ein oder mehrere Elemente am Ende eines Arrays hinzu und gibt die neue Länge des Arrays zurück.</a:t>
+            </a:r>
+          </a:p>
+          <a:p>
+            <a:pPr lvl="1"/>
+            <a:r>
+              <a:rPr lang="de-AT" sz="1300" b="1" dirty="0"/>
+              <a:t>shift():</a:t>
+            </a:r>
+            <a:r>
+              <a:rPr lang="de-AT" sz="1300" dirty="0"/>
+              <a:t> Entfernt das erste Element aus einem Array und gibt dieses Element zurück.</a:t>
+            </a:r>
+          </a:p>
+          <a:p>
+            <a:pPr lvl="1"/>
+            <a:r>
+              <a:rPr lang="de-AT" sz="1300" b="1" dirty="0" err="1"/>
+              <a:t>unshift</a:t>
+            </a:r>
+            <a:r>
+              <a:rPr lang="de-AT" sz="1300" b="1" dirty="0"/>
+              <a:t>():</a:t>
+            </a:r>
+            <a:r>
+              <a:rPr lang="de-AT" sz="1300" dirty="0"/>
+              <a:t> Fügt ein oder mehrere Elemente am Anfang eines Arrays hinzu und gibt die neue Länge des Arrays zurück.</a:t>
+            </a:r>
+          </a:p>
+          <a:p>
+            <a:pPr lvl="1"/>
+            <a:r>
+              <a:rPr lang="de-AT" sz="1300" b="1" dirty="0" err="1"/>
+              <a:t>join</a:t>
+            </a:r>
+            <a:r>
+              <a:rPr lang="de-AT" sz="1300" b="1" dirty="0"/>
+              <a:t>():</a:t>
+            </a:r>
+            <a:r>
+              <a:rPr lang="de-AT" sz="1300" dirty="0"/>
+              <a:t> Erstellt eine Zeichenkette, indem alle Elemente eines Arrays mit einem angegebenen Trennzeichen verbunden werden.</a:t>
+            </a:r>
+          </a:p>
+          <a:p>
+            <a:pPr lvl="1"/>
+            <a:r>
+              <a:rPr lang="de-AT" sz="1300" b="1" dirty="0" err="1"/>
+              <a:t>delete</a:t>
+            </a:r>
+            <a:r>
+              <a:rPr lang="de-AT" sz="1300" b="1" dirty="0"/>
+              <a:t>():</a:t>
+            </a:r>
+            <a:r>
+              <a:rPr lang="de-AT" sz="1300" dirty="0"/>
+              <a:t> Löscht ein Element an einem bestimmten Index in einem Array, hinterlässt jedoch eine Lücke an dieser Stelle.</a:t>
+            </a:r>
+          </a:p>
+          <a:p>
+            <a:pPr lvl="1"/>
+            <a:r>
+              <a:rPr lang="de-AT" sz="1300" b="1" dirty="0" err="1"/>
+              <a:t>concat</a:t>
+            </a:r>
+            <a:r>
+              <a:rPr lang="de-AT" sz="1300" b="1" dirty="0"/>
+              <a:t>():</a:t>
+            </a:r>
+            <a:r>
+              <a:rPr lang="de-AT" sz="1300" dirty="0"/>
+              <a:t> Kombiniert zwei oder mehr Arrays, indem es ein neues Array erstellt, das die Elemente der kombinierten Arrays enthält.</a:t>
+            </a:r>
+          </a:p>
+          <a:p>
+            <a:pPr lvl="1"/>
+            <a:r>
+              <a:rPr lang="de-AT" sz="1300" b="1" dirty="0"/>
+              <a:t>flat():</a:t>
+            </a:r>
+            <a:r>
+              <a:rPr lang="de-AT" sz="1300" dirty="0"/>
+              <a:t> Erstellt ein neues Array mit allen Subarrays, die rekursiv in eine angegebene Tiefe abgeflacht sind.</a:t>
+            </a:r>
+          </a:p>
+          <a:p>
+            <a:pPr lvl="1"/>
+            <a:r>
+              <a:rPr lang="de-AT" sz="1300" b="1" dirty="0" err="1"/>
+              <a:t>splice</a:t>
+            </a:r>
+            <a:r>
+              <a:rPr lang="de-AT" sz="1300" b="1" dirty="0"/>
+              <a:t>():</a:t>
+            </a:r>
+            <a:r>
+              <a:rPr lang="de-AT" sz="1300" dirty="0"/>
+              <a:t> Ändert den Inhalt eines Arrays durch Hinzufügen oder Entfernen von Elementen an einer bestimmten Position.</a:t>
+            </a:r>
+          </a:p>
+          <a:p>
+            <a:pPr lvl="1"/>
+            <a:r>
+              <a:rPr lang="de-AT" sz="1300" b="1" dirty="0"/>
+              <a:t>slice():</a:t>
+            </a:r>
+            <a:r>
+              <a:rPr lang="de-AT" sz="1300" dirty="0"/>
+              <a:t> Gibt eine flache Kopie eines Teils eines Arrays zurück, ohne das Original-Array zu ändern.</a:t>
+            </a:r>
+          </a:p>
+          <a:p>
+            <a:r>
+              <a:rPr lang="de-AT" sz="1500" dirty="0"/>
+              <a:t>Ressourcen: 7. </a:t>
+            </a:r>
+            <a:r>
+              <a:rPr lang="de-AT" sz="1500" dirty="0" err="1"/>
+              <a:t>Javascript</a:t>
+            </a:r>
+            <a:r>
+              <a:rPr lang="de-AT" sz="1500" dirty="0"/>
+              <a:t>/Codebeispiele/Arrays/arrayMethods.js</a:t>
+            </a:r>
+          </a:p>
+        </p:txBody>
+      </p:sp>
+      <p:pic>
+        <p:nvPicPr>
+          <p:cNvPr id="13" name="Grafik 12">
+            <a:extLst>
+              <a:ext uri="{FF2B5EF4-FFF2-40B4-BE49-F238E27FC236}">
+                <a16:creationId xmlns:a16="http://schemas.microsoft.com/office/drawing/2014/main" id="{3E3CDB1B-69B9-9782-00BE-B5061CB9A900}"/>
+              </a:ext>
+            </a:extLst>
+          </p:cNvPr>
+          <p:cNvPicPr>
+            <a:picLocks noChangeAspect="1"/>
+          </p:cNvPicPr>
+          <p:nvPr/>
+        </p:nvPicPr>
+        <p:blipFill>
+          <a:blip r:embed="rId2"/>
+          <a:stretch>
+            <a:fillRect/>
+          </a:stretch>
+        </p:blipFill>
+        <p:spPr>
+          <a:xfrm>
+            <a:off x="8794648" y="1963024"/>
+            <a:ext cx="3201582" cy="738827"/>
+          </a:xfrm>
+          <a:prstGeom prst="rect">
+            <a:avLst/>
+          </a:prstGeom>
+        </p:spPr>
+      </p:pic>
+      <p:pic>
+        <p:nvPicPr>
+          <p:cNvPr id="15" name="Grafik 14">
+            <a:extLst>
+              <a:ext uri="{FF2B5EF4-FFF2-40B4-BE49-F238E27FC236}">
+                <a16:creationId xmlns:a16="http://schemas.microsoft.com/office/drawing/2014/main" id="{F1E47F44-9982-C61E-223C-B4682C1D1756}"/>
+              </a:ext>
+            </a:extLst>
+          </p:cNvPr>
+          <p:cNvPicPr>
+            <a:picLocks noChangeAspect="1"/>
+          </p:cNvPicPr>
+          <p:nvPr/>
+        </p:nvPicPr>
+        <p:blipFill>
+          <a:blip r:embed="rId3"/>
+          <a:stretch>
+            <a:fillRect/>
+          </a:stretch>
+        </p:blipFill>
+        <p:spPr>
+          <a:xfrm>
+            <a:off x="8737592" y="2967491"/>
+            <a:ext cx="3396196" cy="665428"/>
+          </a:xfrm>
+          <a:prstGeom prst="rect">
+            <a:avLst/>
+          </a:prstGeom>
+        </p:spPr>
+      </p:pic>
+    </p:spTree>
+    <p:extLst>
+      <p:ext uri="{BB962C8B-B14F-4D97-AF65-F5344CB8AC3E}">
+        <p14:creationId xmlns:p14="http://schemas.microsoft.com/office/powerpoint/2010/main" val="3891407152"/>
+      </p:ext>
+    </p:extLst>
+  </p:cSld>
+  <p:clrMapOvr>
+    <a:masterClrMapping/>
+  </p:clrMapOvr>
+  <p:timing>
+    <p:tnLst>
+      <p:par>
+        <p:cTn id="1" dur="indefinite" restart="never" nodeType="tmRoot">
+          <p:childTnLst>
+            <p:seq concurrent="1" nextAc="seek">
+              <p:cTn id="2" dur="indefinite" nodeType="mainSeq">
+                <p:childTnLst>
+                  <p:par>
+                    <p:cTn id="3" fill="hold">
+                      <p:stCondLst>
+                        <p:cond delay="indefinite"/>
+                      </p:stCondLst>
+                      <p:childTnLst>
+                        <p:par>
+                          <p:cTn id="4" fill="hold">
+                            <p:stCondLst>
+                              <p:cond delay="0"/>
+                            </p:stCondLst>
+                            <p:childTnLst>
+                              <p:par>
+                                <p:cTn id="5" presetID="10" presetClass="entr" presetSubtype="0" fill="hold" grpId="0" nodeType="clickEffect">
+                                  <p:stCondLst>
+                                    <p:cond delay="0"/>
+                                  </p:stCondLst>
+                                  <p:childTnLst>
+                                    <p:set>
+                                      <p:cBhvr>
+                                        <p:cTn id="6" dur="1" fill="hold">
+                                          <p:stCondLst>
+                                            <p:cond delay="0"/>
+                                          </p:stCondLst>
+                                        </p:cTn>
+                                        <p:tgtEl>
+                                          <p:spTgt spid="3">
+                                            <p:txEl>
+                                              <p:pRg st="0" end="0"/>
+                                            </p:txEl>
+                                          </p:spTgt>
+                                        </p:tgtEl>
+                                        <p:attrNameLst>
+                                          <p:attrName>style.visibility</p:attrName>
+                                        </p:attrNameLst>
+                                      </p:cBhvr>
+                                      <p:to>
+                                        <p:strVal val="visible"/>
+                                      </p:to>
+                                    </p:set>
+                                    <p:animEffect transition="in" filter="fade">
+                                      <p:cBhvr>
+                                        <p:cTn id="7" dur="500"/>
+                                        <p:tgtEl>
+                                          <p:spTgt spid="3">
+                                            <p:txEl>
+                                              <p:pRg st="0" end="0"/>
+                                            </p:txEl>
+                                          </p:spTgt>
+                                        </p:tgtEl>
+                                      </p:cBhvr>
+                                    </p:animEffect>
+                                  </p:childTnLst>
+                                </p:cTn>
+                              </p:par>
+                            </p:childTnLst>
+                          </p:cTn>
+                        </p:par>
+                      </p:childTnLst>
+                    </p:cTn>
+                  </p:par>
+                  <p:par>
+                    <p:cTn id="8" fill="hold">
+                      <p:stCondLst>
+                        <p:cond delay="indefinite"/>
+                      </p:stCondLst>
+                      <p:childTnLst>
+                        <p:par>
+                          <p:cTn id="9" fill="hold">
+                            <p:stCondLst>
+                              <p:cond delay="0"/>
+                            </p:stCondLst>
+                            <p:childTnLst>
+                              <p:par>
+                                <p:cTn id="10" presetID="10" presetClass="entr" presetSubtype="0" fill="hold" grpId="0" nodeType="clickEffect">
+                                  <p:stCondLst>
+                                    <p:cond delay="0"/>
+                                  </p:stCondLst>
+                                  <p:childTnLst>
+                                    <p:set>
+                                      <p:cBhvr>
+                                        <p:cTn id="11" dur="1" fill="hold">
+                                          <p:stCondLst>
+                                            <p:cond delay="0"/>
+                                          </p:stCondLst>
+                                        </p:cTn>
+                                        <p:tgtEl>
+                                          <p:spTgt spid="3">
+                                            <p:txEl>
+                                              <p:pRg st="1" end="1"/>
+                                            </p:txEl>
+                                          </p:spTgt>
+                                        </p:tgtEl>
+                                        <p:attrNameLst>
+                                          <p:attrName>style.visibility</p:attrName>
+                                        </p:attrNameLst>
+                                      </p:cBhvr>
+                                      <p:to>
+                                        <p:strVal val="visible"/>
+                                      </p:to>
+                                    </p:set>
+                                    <p:animEffect transition="in" filter="fade">
+                                      <p:cBhvr>
+                                        <p:cTn id="12" dur="500"/>
+                                        <p:tgtEl>
+                                          <p:spTgt spid="3">
+                                            <p:txEl>
+                                              <p:pRg st="1" end="1"/>
+                                            </p:txEl>
+                                          </p:spTgt>
+                                        </p:tgtEl>
+                                      </p:cBhvr>
+                                    </p:animEffect>
+                                  </p:childTnLst>
+                                </p:cTn>
+                              </p:par>
+                              <p:par>
+                                <p:cTn id="13" presetID="10" presetClass="entr" presetSubtype="0" fill="hold" grpId="0" nodeType="withEffect">
+                                  <p:stCondLst>
+                                    <p:cond delay="0"/>
+                                  </p:stCondLst>
+                                  <p:childTnLst>
+                                    <p:set>
+                                      <p:cBhvr>
+                                        <p:cTn id="14" dur="1" fill="hold">
+                                          <p:stCondLst>
+                                            <p:cond delay="0"/>
+                                          </p:stCondLst>
+                                        </p:cTn>
+                                        <p:tgtEl>
+                                          <p:spTgt spid="3">
+                                            <p:txEl>
+                                              <p:pRg st="2" end="2"/>
+                                            </p:txEl>
+                                          </p:spTgt>
+                                        </p:tgtEl>
+                                        <p:attrNameLst>
+                                          <p:attrName>style.visibility</p:attrName>
+                                        </p:attrNameLst>
+                                      </p:cBhvr>
+                                      <p:to>
+                                        <p:strVal val="visible"/>
+                                      </p:to>
+                                    </p:set>
+                                    <p:animEffect transition="in" filter="fade">
+                                      <p:cBhvr>
+                                        <p:cTn id="15" dur="500"/>
+                                        <p:tgtEl>
+                                          <p:spTgt spid="3">
+                                            <p:txEl>
+                                              <p:pRg st="2" end="2"/>
+                                            </p:txEl>
+                                          </p:spTgt>
+                                        </p:tgtEl>
+                                      </p:cBhvr>
+                                    </p:animEffect>
+                                  </p:childTnLst>
+                                </p:cTn>
+                              </p:par>
+                              <p:par>
+                                <p:cTn id="16" presetID="10" presetClass="entr" presetSubtype="0" fill="hold" grpId="0" nodeType="withEffect">
+                                  <p:stCondLst>
+                                    <p:cond delay="0"/>
+                                  </p:stCondLst>
+                                  <p:childTnLst>
+                                    <p:set>
+                                      <p:cBhvr>
+                                        <p:cTn id="17" dur="1" fill="hold">
+                                          <p:stCondLst>
+                                            <p:cond delay="0"/>
+                                          </p:stCondLst>
+                                        </p:cTn>
+                                        <p:tgtEl>
+                                          <p:spTgt spid="3">
+                                            <p:txEl>
+                                              <p:pRg st="3" end="3"/>
+                                            </p:txEl>
+                                          </p:spTgt>
+                                        </p:tgtEl>
+                                        <p:attrNameLst>
+                                          <p:attrName>style.visibility</p:attrName>
+                                        </p:attrNameLst>
+                                      </p:cBhvr>
+                                      <p:to>
+                                        <p:strVal val="visible"/>
+                                      </p:to>
+                                    </p:set>
+                                    <p:animEffect transition="in" filter="fade">
+                                      <p:cBhvr>
+                                        <p:cTn id="18" dur="500"/>
+                                        <p:tgtEl>
+                                          <p:spTgt spid="3">
+                                            <p:txEl>
+                                              <p:pRg st="3" end="3"/>
+                                            </p:txEl>
+                                          </p:spTgt>
+                                        </p:tgtEl>
+                                      </p:cBhvr>
+                                    </p:animEffect>
+                                  </p:childTnLst>
+                                </p:cTn>
+                              </p:par>
+                              <p:par>
+                                <p:cTn id="19" presetID="10" presetClass="entr" presetSubtype="0" fill="hold" grpId="0" nodeType="withEffect">
+                                  <p:stCondLst>
+                                    <p:cond delay="0"/>
+                                  </p:stCondLst>
+                                  <p:childTnLst>
+                                    <p:set>
+                                      <p:cBhvr>
+                                        <p:cTn id="20" dur="1" fill="hold">
+                                          <p:stCondLst>
+                                            <p:cond delay="0"/>
+                                          </p:stCondLst>
+                                        </p:cTn>
+                                        <p:tgtEl>
+                                          <p:spTgt spid="3">
+                                            <p:txEl>
+                                              <p:pRg st="4" end="4"/>
+                                            </p:txEl>
+                                          </p:spTgt>
+                                        </p:tgtEl>
+                                        <p:attrNameLst>
+                                          <p:attrName>style.visibility</p:attrName>
+                                        </p:attrNameLst>
+                                      </p:cBhvr>
+                                      <p:to>
+                                        <p:strVal val="visible"/>
+                                      </p:to>
+                                    </p:set>
+                                    <p:animEffect transition="in" filter="fade">
+                                      <p:cBhvr>
+                                        <p:cTn id="21" dur="500"/>
+                                        <p:tgtEl>
+                                          <p:spTgt spid="3">
+                                            <p:txEl>
+                                              <p:pRg st="4" end="4"/>
+                                            </p:txEl>
+                                          </p:spTgt>
+                                        </p:tgtEl>
+                                      </p:cBhvr>
+                                    </p:animEffect>
+                                  </p:childTnLst>
+                                </p:cTn>
+                              </p:par>
+                              <p:par>
+                                <p:cTn id="22" presetID="10" presetClass="entr" presetSubtype="0" fill="hold" grpId="0" nodeType="withEffect">
+                                  <p:stCondLst>
+                                    <p:cond delay="0"/>
+                                  </p:stCondLst>
+                                  <p:childTnLst>
+                                    <p:set>
+                                      <p:cBhvr>
+                                        <p:cTn id="23" dur="1" fill="hold">
+                                          <p:stCondLst>
+                                            <p:cond delay="0"/>
+                                          </p:stCondLst>
+                                        </p:cTn>
+                                        <p:tgtEl>
+                                          <p:spTgt spid="3">
+                                            <p:txEl>
+                                              <p:pRg st="5" end="5"/>
+                                            </p:txEl>
+                                          </p:spTgt>
+                                        </p:tgtEl>
+                                        <p:attrNameLst>
+                                          <p:attrName>style.visibility</p:attrName>
+                                        </p:attrNameLst>
+                                      </p:cBhvr>
+                                      <p:to>
+                                        <p:strVal val="visible"/>
+                                      </p:to>
+                                    </p:set>
+                                    <p:animEffect transition="in" filter="fade">
+                                      <p:cBhvr>
+                                        <p:cTn id="24" dur="500"/>
+                                        <p:tgtEl>
+                                          <p:spTgt spid="3">
+                                            <p:txEl>
+                                              <p:pRg st="5" end="5"/>
+                                            </p:txEl>
+                                          </p:spTgt>
+                                        </p:tgtEl>
+                                      </p:cBhvr>
+                                    </p:animEffect>
+                                  </p:childTnLst>
+                                </p:cTn>
+                              </p:par>
+                              <p:par>
+                                <p:cTn id="25" presetID="10" presetClass="entr" presetSubtype="0" fill="hold" grpId="0" nodeType="withEffect">
+                                  <p:stCondLst>
+                                    <p:cond delay="0"/>
+                                  </p:stCondLst>
+                                  <p:childTnLst>
+                                    <p:set>
+                                      <p:cBhvr>
+                                        <p:cTn id="26" dur="1" fill="hold">
+                                          <p:stCondLst>
+                                            <p:cond delay="0"/>
+                                          </p:stCondLst>
+                                        </p:cTn>
+                                        <p:tgtEl>
+                                          <p:spTgt spid="3">
+                                            <p:txEl>
+                                              <p:pRg st="6" end="6"/>
+                                            </p:txEl>
+                                          </p:spTgt>
+                                        </p:tgtEl>
+                                        <p:attrNameLst>
+                                          <p:attrName>style.visibility</p:attrName>
+                                        </p:attrNameLst>
+                                      </p:cBhvr>
+                                      <p:to>
+                                        <p:strVal val="visible"/>
+                                      </p:to>
+                                    </p:set>
+                                    <p:animEffect transition="in" filter="fade">
+                                      <p:cBhvr>
+                                        <p:cTn id="27" dur="500"/>
+                                        <p:tgtEl>
+                                          <p:spTgt spid="3">
+                                            <p:txEl>
+                                              <p:pRg st="6" end="6"/>
+                                            </p:txEl>
+                                          </p:spTgt>
+                                        </p:tgtEl>
+                                      </p:cBhvr>
+                                    </p:animEffect>
+                                  </p:childTnLst>
+                                </p:cTn>
+                              </p:par>
+                              <p:par>
+                                <p:cTn id="28" presetID="10" presetClass="entr" presetSubtype="0" fill="hold" grpId="0" nodeType="withEffect">
+                                  <p:stCondLst>
+                                    <p:cond delay="0"/>
+                                  </p:stCondLst>
+                                  <p:childTnLst>
+                                    <p:set>
+                                      <p:cBhvr>
+                                        <p:cTn id="29" dur="1" fill="hold">
+                                          <p:stCondLst>
+                                            <p:cond delay="0"/>
+                                          </p:stCondLst>
+                                        </p:cTn>
+                                        <p:tgtEl>
+                                          <p:spTgt spid="3">
+                                            <p:txEl>
+                                              <p:pRg st="7" end="7"/>
+                                            </p:txEl>
+                                          </p:spTgt>
+                                        </p:tgtEl>
+                                        <p:attrNameLst>
+                                          <p:attrName>style.visibility</p:attrName>
+                                        </p:attrNameLst>
+                                      </p:cBhvr>
+                                      <p:to>
+                                        <p:strVal val="visible"/>
+                                      </p:to>
+                                    </p:set>
+                                    <p:animEffect transition="in" filter="fade">
+                                      <p:cBhvr>
+                                        <p:cTn id="30" dur="500"/>
+                                        <p:tgtEl>
+                                          <p:spTgt spid="3">
+                                            <p:txEl>
+                                              <p:pRg st="7" end="7"/>
+                                            </p:txEl>
+                                          </p:spTgt>
+                                        </p:tgtEl>
+                                      </p:cBhvr>
+                                    </p:animEffect>
+                                  </p:childTnLst>
+                                </p:cTn>
+                              </p:par>
+                              <p:par>
+                                <p:cTn id="31" presetID="10" presetClass="entr" presetSubtype="0" fill="hold" grpId="0" nodeType="withEffect">
+                                  <p:stCondLst>
+                                    <p:cond delay="0"/>
+                                  </p:stCondLst>
+                                  <p:childTnLst>
+                                    <p:set>
+                                      <p:cBhvr>
+                                        <p:cTn id="32" dur="1" fill="hold">
+                                          <p:stCondLst>
+                                            <p:cond delay="0"/>
+                                          </p:stCondLst>
+                                        </p:cTn>
+                                        <p:tgtEl>
+                                          <p:spTgt spid="3">
+                                            <p:txEl>
+                                              <p:pRg st="8" end="8"/>
+                                            </p:txEl>
+                                          </p:spTgt>
+                                        </p:tgtEl>
+                                        <p:attrNameLst>
+                                          <p:attrName>style.visibility</p:attrName>
+                                        </p:attrNameLst>
+                                      </p:cBhvr>
+                                      <p:to>
+                                        <p:strVal val="visible"/>
+                                      </p:to>
+                                    </p:set>
+                                    <p:animEffect transition="in" filter="fade">
+                                      <p:cBhvr>
+                                        <p:cTn id="33" dur="500"/>
+                                        <p:tgtEl>
+                                          <p:spTgt spid="3">
+                                            <p:txEl>
+                                              <p:pRg st="8" end="8"/>
+                                            </p:txEl>
+                                          </p:spTgt>
+                                        </p:tgtEl>
+                                      </p:cBhvr>
+                                    </p:animEffect>
+                                  </p:childTnLst>
+                                </p:cTn>
+                              </p:par>
+                              <p:par>
+                                <p:cTn id="34" presetID="10" presetClass="entr" presetSubtype="0" fill="hold" grpId="0" nodeType="withEffect">
+                                  <p:stCondLst>
+                                    <p:cond delay="0"/>
+                                  </p:stCondLst>
+                                  <p:childTnLst>
+                                    <p:set>
+                                      <p:cBhvr>
+                                        <p:cTn id="35" dur="1" fill="hold">
+                                          <p:stCondLst>
+                                            <p:cond delay="0"/>
+                                          </p:stCondLst>
+                                        </p:cTn>
+                                        <p:tgtEl>
+                                          <p:spTgt spid="3">
+                                            <p:txEl>
+                                              <p:pRg st="9" end="9"/>
+                                            </p:txEl>
+                                          </p:spTgt>
+                                        </p:tgtEl>
+                                        <p:attrNameLst>
+                                          <p:attrName>style.visibility</p:attrName>
+                                        </p:attrNameLst>
+                                      </p:cBhvr>
+                                      <p:to>
+                                        <p:strVal val="visible"/>
+                                      </p:to>
+                                    </p:set>
+                                    <p:animEffect transition="in" filter="fade">
+                                      <p:cBhvr>
+                                        <p:cTn id="36" dur="500"/>
+                                        <p:tgtEl>
+                                          <p:spTgt spid="3">
+                                            <p:txEl>
+                                              <p:pRg st="9" end="9"/>
+                                            </p:txEl>
+                                          </p:spTgt>
+                                        </p:tgtEl>
+                                      </p:cBhvr>
+                                    </p:animEffect>
+                                  </p:childTnLst>
+                                </p:cTn>
+                              </p:par>
+                              <p:par>
+                                <p:cTn id="37" presetID="10" presetClass="entr" presetSubtype="0" fill="hold" grpId="0" nodeType="withEffect">
+                                  <p:stCondLst>
+                                    <p:cond delay="0"/>
+                                  </p:stCondLst>
+                                  <p:childTnLst>
+                                    <p:set>
+                                      <p:cBhvr>
+                                        <p:cTn id="38" dur="1" fill="hold">
+                                          <p:stCondLst>
+                                            <p:cond delay="0"/>
+                                          </p:stCondLst>
+                                        </p:cTn>
+                                        <p:tgtEl>
+                                          <p:spTgt spid="3">
+                                            <p:txEl>
+                                              <p:pRg st="10" end="10"/>
+                                            </p:txEl>
+                                          </p:spTgt>
+                                        </p:tgtEl>
+                                        <p:attrNameLst>
+                                          <p:attrName>style.visibility</p:attrName>
+                                        </p:attrNameLst>
+                                      </p:cBhvr>
+                                      <p:to>
+                                        <p:strVal val="visible"/>
+                                      </p:to>
+                                    </p:set>
+                                    <p:animEffect transition="in" filter="fade">
+                                      <p:cBhvr>
+                                        <p:cTn id="39" dur="500"/>
+                                        <p:tgtEl>
+                                          <p:spTgt spid="3">
+                                            <p:txEl>
+                                              <p:pRg st="10" end="10"/>
+                                            </p:txEl>
+                                          </p:spTgt>
+                                        </p:tgtEl>
+                                      </p:cBhvr>
+                                    </p:animEffect>
+                                  </p:childTnLst>
+                                </p:cTn>
+                              </p:par>
+                              <p:par>
+                                <p:cTn id="40" presetID="10" presetClass="entr" presetSubtype="0" fill="hold" grpId="0" nodeType="withEffect">
+                                  <p:stCondLst>
+                                    <p:cond delay="0"/>
+                                  </p:stCondLst>
+                                  <p:childTnLst>
+                                    <p:set>
+                                      <p:cBhvr>
+                                        <p:cTn id="41" dur="1" fill="hold">
+                                          <p:stCondLst>
+                                            <p:cond delay="0"/>
+                                          </p:stCondLst>
+                                        </p:cTn>
+                                        <p:tgtEl>
+                                          <p:spTgt spid="3">
+                                            <p:txEl>
+                                              <p:pRg st="11" end="11"/>
+                                            </p:txEl>
+                                          </p:spTgt>
+                                        </p:tgtEl>
+                                        <p:attrNameLst>
+                                          <p:attrName>style.visibility</p:attrName>
+                                        </p:attrNameLst>
+                                      </p:cBhvr>
+                                      <p:to>
+                                        <p:strVal val="visible"/>
+                                      </p:to>
+                                    </p:set>
+                                    <p:animEffect transition="in" filter="fade">
+                                      <p:cBhvr>
+                                        <p:cTn id="42" dur="500"/>
+                                        <p:tgtEl>
+                                          <p:spTgt spid="3">
+                                            <p:txEl>
+                                              <p:pRg st="11" end="11"/>
+                                            </p:txEl>
+                                          </p:spTgt>
+                                        </p:tgtEl>
+                                      </p:cBhvr>
+                                    </p:animEffect>
+                                  </p:childTnLst>
+                                </p:cTn>
+                              </p:par>
+                              <p:par>
+                                <p:cTn id="43" presetID="10" presetClass="entr" presetSubtype="0" fill="hold" grpId="0" nodeType="withEffect">
+                                  <p:stCondLst>
+                                    <p:cond delay="0"/>
+                                  </p:stCondLst>
+                                  <p:childTnLst>
+                                    <p:set>
+                                      <p:cBhvr>
+                                        <p:cTn id="44" dur="1" fill="hold">
+                                          <p:stCondLst>
+                                            <p:cond delay="0"/>
+                                          </p:stCondLst>
+                                        </p:cTn>
+                                        <p:tgtEl>
+                                          <p:spTgt spid="3">
+                                            <p:txEl>
+                                              <p:pRg st="12" end="12"/>
+                                            </p:txEl>
+                                          </p:spTgt>
+                                        </p:tgtEl>
+                                        <p:attrNameLst>
+                                          <p:attrName>style.visibility</p:attrName>
+                                        </p:attrNameLst>
+                                      </p:cBhvr>
+                                      <p:to>
+                                        <p:strVal val="visible"/>
+                                      </p:to>
+                                    </p:set>
+                                    <p:animEffect transition="in" filter="fade">
+                                      <p:cBhvr>
+                                        <p:cTn id="45" dur="500"/>
+                                        <p:tgtEl>
+                                          <p:spTgt spid="3">
+                                            <p:txEl>
+                                              <p:pRg st="12" end="12"/>
+                                            </p:txEl>
+                                          </p:spTgt>
+                                        </p:tgtEl>
+                                      </p:cBhvr>
+                                    </p:animEffect>
+                                  </p:childTnLst>
+                                </p:cTn>
+                              </p:par>
+                              <p:par>
+                                <p:cTn id="46" presetID="10" presetClass="entr" presetSubtype="0" fill="hold" grpId="0" nodeType="withEffect">
+                                  <p:stCondLst>
+                                    <p:cond delay="0"/>
+                                  </p:stCondLst>
+                                  <p:childTnLst>
+                                    <p:set>
+                                      <p:cBhvr>
+                                        <p:cTn id="47" dur="1" fill="hold">
+                                          <p:stCondLst>
+                                            <p:cond delay="0"/>
+                                          </p:stCondLst>
+                                        </p:cTn>
+                                        <p:tgtEl>
+                                          <p:spTgt spid="3">
+                                            <p:txEl>
+                                              <p:pRg st="13" end="13"/>
+                                            </p:txEl>
+                                          </p:spTgt>
+                                        </p:tgtEl>
+                                        <p:attrNameLst>
+                                          <p:attrName>style.visibility</p:attrName>
+                                        </p:attrNameLst>
+                                      </p:cBhvr>
+                                      <p:to>
+                                        <p:strVal val="visible"/>
+                                      </p:to>
+                                    </p:set>
+                                    <p:animEffect transition="in" filter="fade">
+                                      <p:cBhvr>
+                                        <p:cTn id="48" dur="500"/>
+                                        <p:tgtEl>
+                                          <p:spTgt spid="3">
+                                            <p:txEl>
+                                              <p:pRg st="13" end="13"/>
+                                            </p:txEl>
+                                          </p:spTgt>
+                                        </p:tgtEl>
+                                      </p:cBhvr>
+                                    </p:animEffect>
+                                  </p:childTnLst>
+                                </p:cTn>
+                              </p:par>
+                            </p:childTnLst>
+                          </p:cTn>
+                        </p:par>
+                      </p:childTnLst>
+                    </p:cTn>
+                  </p:par>
+                  <p:par>
+                    <p:cTn id="49" fill="hold">
+                      <p:stCondLst>
+                        <p:cond delay="indefinite"/>
+                      </p:stCondLst>
+                      <p:childTnLst>
+                        <p:par>
+                          <p:cTn id="50" fill="hold">
+                            <p:stCondLst>
+                              <p:cond delay="0"/>
+                            </p:stCondLst>
+                            <p:childTnLst>
+                              <p:par>
+                                <p:cTn id="51" presetID="10" presetClass="entr" presetSubtype="0" fill="hold" grpId="0" nodeType="clickEffect">
+                                  <p:stCondLst>
+                                    <p:cond delay="0"/>
+                                  </p:stCondLst>
+                                  <p:childTnLst>
+                                    <p:set>
+                                      <p:cBhvr>
+                                        <p:cTn id="52" dur="1" fill="hold">
+                                          <p:stCondLst>
+                                            <p:cond delay="0"/>
+                                          </p:stCondLst>
+                                        </p:cTn>
+                                        <p:tgtEl>
+                                          <p:spTgt spid="3">
+                                            <p:txEl>
+                                              <p:pRg st="14" end="14"/>
+                                            </p:txEl>
+                                          </p:spTgt>
+                                        </p:tgtEl>
+                                        <p:attrNameLst>
+                                          <p:attrName>style.visibility</p:attrName>
+                                        </p:attrNameLst>
+                                      </p:cBhvr>
+                                      <p:to>
+                                        <p:strVal val="visible"/>
+                                      </p:to>
+                                    </p:set>
+                                    <p:animEffect transition="in" filter="fade">
+                                      <p:cBhvr>
+                                        <p:cTn id="53" dur="500"/>
+                                        <p:tgtEl>
+                                          <p:spTgt spid="3">
+                                            <p:txEl>
+                                              <p:pRg st="14" end="14"/>
+                                            </p:txEl>
+                                          </p:spTgt>
+                                        </p:tgtEl>
+                                      </p:cBhvr>
+                                    </p:animEffect>
+                                  </p:childTnLst>
+                                </p:cTn>
+                              </p:par>
+                            </p:childTnLst>
+                          </p:cTn>
+                        </p:par>
+                      </p:childTnLst>
+                    </p:cTn>
+                  </p:par>
+                </p:childTnLst>
+              </p:cTn>
+              <p:prevCondLst>
+                <p:cond evt="onPrev" delay="0">
+                  <p:tgtEl>
+                    <p:sldTgt/>
+                  </p:tgtEl>
+                </p:cond>
+              </p:prevCondLst>
+              <p:nextCondLst>
+                <p:cond evt="onNext" delay="0">
+                  <p:tgtEl>
+                    <p:sldTgt/>
+                  </p:tgtEl>
+                </p:cond>
+              </p:nextCondLst>
+            </p:seq>
+          </p:childTnLst>
+        </p:cTn>
+      </p:par>
+    </p:tnLst>
+    <p:bldLst>
+      <p:bldP spid="3" grpId="0" build="p"/>
+    </p:bldLst>
+  </p:timing>
+</p:sld>
+</file>
+
+<file path=ppt/slides/slide11.xml><?xml version="1.0" encoding="utf-8"?>
+<p:sld xmlns:a="http://schemas.openxmlformats.org/drawingml/2006/main" xmlns:r="http://schemas.openxmlformats.org/officeDocument/2006/relationships" xmlns:p="http://schemas.openxmlformats.org/presentationml/2006/main">
+  <p:cSld>
+    <p:spTree>
+      <p:nvGrpSpPr>
+        <p:cNvPr id="1" name=""/>
+        <p:cNvGrpSpPr/>
+        <p:nvPr/>
+      </p:nvGrpSpPr>
+      <p:grpSpPr>
+        <a:xfrm>
+          <a:off x="0" y="0"/>
+          <a:ext cx="0" cy="0"/>
+          <a:chOff x="0" y="0"/>
+          <a:chExt cx="0" cy="0"/>
+        </a:xfrm>
+      </p:grpSpPr>
+      <p:sp>
+        <p:nvSpPr>
+          <p:cNvPr id="2" name="Titel 1">
+            <a:extLst>
+              <a:ext uri="{FF2B5EF4-FFF2-40B4-BE49-F238E27FC236}">
+                <a16:creationId xmlns:a16="http://schemas.microsoft.com/office/drawing/2014/main" id="{1AEFE426-FD19-FFE4-960B-09892F2F89BC}"/>
+              </a:ext>
+            </a:extLst>
+          </p:cNvPr>
+          <p:cNvSpPr>
+            <a:spLocks noGrp="1"/>
+          </p:cNvSpPr>
+          <p:nvPr>
+            <p:ph type="title"/>
+          </p:nvPr>
+        </p:nvSpPr>
+        <p:spPr/>
+        <p:txBody>
+          <a:bodyPr/>
+          <a:lstStyle/>
+          <a:p>
+            <a:r>
+              <a:rPr lang="de-AT" dirty="0"/>
+              <a:t>Array Iterationen</a:t>
+            </a:r>
+          </a:p>
+        </p:txBody>
+      </p:sp>
+      <p:sp>
+        <p:nvSpPr>
+          <p:cNvPr id="3" name="Inhaltsplatzhalter 2">
+            <a:extLst>
+              <a:ext uri="{FF2B5EF4-FFF2-40B4-BE49-F238E27FC236}">
+                <a16:creationId xmlns:a16="http://schemas.microsoft.com/office/drawing/2014/main" id="{C5EB3689-40AF-3AE8-B82C-E20AF38972C2}"/>
+              </a:ext>
+            </a:extLst>
+          </p:cNvPr>
+          <p:cNvSpPr>
+            <a:spLocks noGrp="1"/>
+          </p:cNvSpPr>
+          <p:nvPr>
+            <p:ph idx="1"/>
+          </p:nvPr>
+        </p:nvSpPr>
+        <p:spPr>
+          <a:xfrm>
+            <a:off x="1101405" y="2057400"/>
+            <a:ext cx="8713715" cy="4393734"/>
+          </a:xfrm>
+        </p:spPr>
+        <p:txBody>
+          <a:bodyPr>
+            <a:noAutofit/>
+          </a:bodyPr>
+          <a:lstStyle/>
+          <a:p>
+            <a:r>
+              <a:rPr lang="de-AT" sz="1400" dirty="0"/>
+              <a:t>Um über jedes Element eines Arrays zu iterieren können folgende </a:t>
+            </a:r>
+            <a:r>
+              <a:rPr lang="de-AT" sz="1400" dirty="0" err="1"/>
+              <a:t>built</a:t>
+            </a:r>
+            <a:r>
+              <a:rPr lang="de-AT" sz="1400" dirty="0"/>
+              <a:t>-in Methoden verwendet werden:</a:t>
+            </a:r>
+          </a:p>
+          <a:p>
+            <a:pPr lvl="1"/>
+            <a:r>
+              <a:rPr lang="de-AT" sz="1050" b="1" dirty="0" err="1"/>
+              <a:t>forEach</a:t>
+            </a:r>
+            <a:r>
+              <a:rPr lang="de-AT" sz="1050" b="1" dirty="0"/>
+              <a:t>(): </a:t>
+            </a:r>
+            <a:r>
+              <a:rPr lang="de-AT" sz="1050" dirty="0"/>
+              <a:t>Iteriert über jedes Element im Array und führt eine bereitgestellte Funktion aus.</a:t>
+            </a:r>
+          </a:p>
+          <a:p>
+            <a:pPr lvl="1"/>
+            <a:r>
+              <a:rPr lang="de-AT" sz="1050" b="1" dirty="0" err="1"/>
+              <a:t>Map</a:t>
+            </a:r>
+            <a:r>
+              <a:rPr lang="de-AT" sz="1050" b="1" dirty="0"/>
+              <a:t>(): </a:t>
+            </a:r>
+            <a:r>
+              <a:rPr lang="de-AT" sz="1050" dirty="0"/>
+              <a:t>Erstellt ein neues Array, indem eine bereitgestellte Funktion auf jedes Element im Array angewendet wird.</a:t>
+            </a:r>
+          </a:p>
+          <a:p>
+            <a:pPr lvl="1"/>
+            <a:r>
+              <a:rPr lang="de-AT" sz="1050" b="1" dirty="0" err="1"/>
+              <a:t>Some</a:t>
+            </a:r>
+            <a:r>
+              <a:rPr lang="de-AT" sz="1050" b="1" dirty="0"/>
+              <a:t>(): </a:t>
+            </a:r>
+            <a:r>
+              <a:rPr lang="de-AT" sz="1050" dirty="0"/>
+              <a:t>Überprüft, ob mindestens ein Element im Array eine bestimmte Bedingung erfüllt.</a:t>
+            </a:r>
+          </a:p>
+          <a:p>
+            <a:pPr lvl="1"/>
+            <a:r>
+              <a:rPr lang="de-AT" sz="1050" b="1" dirty="0"/>
+              <a:t>Every(): </a:t>
+            </a:r>
+            <a:r>
+              <a:rPr lang="de-AT" sz="1050" dirty="0"/>
+              <a:t>Überprüft, ob alle Elemente im Array eine bestimmte Bedingung erfüllen.</a:t>
+            </a:r>
+          </a:p>
+          <a:p>
+            <a:pPr lvl="1"/>
+            <a:r>
+              <a:rPr lang="de-AT" sz="1050" b="1" dirty="0"/>
+              <a:t>Filter(): </a:t>
+            </a:r>
+            <a:r>
+              <a:rPr lang="de-AT" sz="1050" dirty="0"/>
+              <a:t>Filtert Elemente basierend auf einer bestimmten Bedingung und erstellt ein neues Array.</a:t>
+            </a:r>
+          </a:p>
+          <a:p>
+            <a:pPr lvl="1"/>
+            <a:r>
+              <a:rPr lang="de-AT" sz="1050" b="1" dirty="0" err="1"/>
+              <a:t>Reduce</a:t>
+            </a:r>
+            <a:r>
+              <a:rPr lang="de-AT" sz="1050" b="1" dirty="0"/>
+              <a:t>(): </a:t>
+            </a:r>
+            <a:r>
+              <a:rPr lang="de-AT" sz="1050" dirty="0"/>
+              <a:t>Reduziert das Array auf einen einzelnen Wert durch Anwendung einer akkumulierten Funktion auf jedes Element.</a:t>
+            </a:r>
+          </a:p>
+          <a:p>
+            <a:pPr lvl="1"/>
+            <a:r>
+              <a:rPr lang="de-AT" sz="1050" b="1" dirty="0" err="1"/>
+              <a:t>IndexOf</a:t>
+            </a:r>
+            <a:r>
+              <a:rPr lang="de-AT" sz="1050" b="1" dirty="0"/>
+              <a:t>(): </a:t>
+            </a:r>
+            <a:r>
+              <a:rPr lang="de-AT" sz="1050" dirty="0"/>
+              <a:t>Gibt den Index des ersten Vorkommens eines Elements im Array zurück</a:t>
+            </a:r>
+          </a:p>
+          <a:p>
+            <a:pPr lvl="1"/>
+            <a:r>
+              <a:rPr lang="de-AT" sz="1050" b="1" dirty="0"/>
+              <a:t>Find(): </a:t>
+            </a:r>
+            <a:r>
+              <a:rPr lang="de-AT" sz="1050" dirty="0"/>
+              <a:t>Gibt das erste Element im Array zurück, das eine bestimmte Bedingung erfüllt.</a:t>
+            </a:r>
+          </a:p>
+          <a:p>
+            <a:pPr lvl="1"/>
+            <a:r>
+              <a:rPr lang="de-AT" sz="1050" b="1" dirty="0"/>
+              <a:t>Values(): </a:t>
+            </a:r>
+            <a:r>
+              <a:rPr lang="de-AT" sz="1050" dirty="0"/>
+              <a:t>Durchläuft das Array und gibt ein neues Array mit den Werten zurück.</a:t>
+            </a:r>
+          </a:p>
+          <a:p>
+            <a:pPr lvl="1"/>
+            <a:r>
+              <a:rPr lang="de-AT" sz="1050" b="1" dirty="0" err="1"/>
+              <a:t>Entries</a:t>
+            </a:r>
+            <a:r>
+              <a:rPr lang="de-AT" sz="1050" b="1" dirty="0"/>
+              <a:t>(): </a:t>
+            </a:r>
+            <a:r>
+              <a:rPr lang="de-AT" sz="1050" dirty="0"/>
+              <a:t>Gibt ein neues Array mit den Schlüssel-Wert-Paaren des Arrays zurück.</a:t>
+            </a:r>
+          </a:p>
+          <a:p>
+            <a:pPr lvl="1"/>
+            <a:r>
+              <a:rPr lang="de-AT" sz="1050" b="1" dirty="0"/>
+              <a:t>Keys(): </a:t>
+            </a:r>
+            <a:r>
+              <a:rPr lang="de-AT" sz="1050" dirty="0"/>
+              <a:t>Durchläuft das Array und gibt ein neues Array mit den Schlüsseln (Indizes) zurück.</a:t>
+            </a:r>
+          </a:p>
+          <a:p>
+            <a:endParaRPr lang="de-AT" sz="1200" dirty="0"/>
+          </a:p>
+          <a:p>
+            <a:r>
+              <a:rPr lang="de-AT" sz="1400" dirty="0"/>
+              <a:t>Ressourcen: 7. </a:t>
+            </a:r>
+            <a:r>
+              <a:rPr lang="de-AT" sz="1400" dirty="0" err="1"/>
+              <a:t>Javascript</a:t>
+            </a:r>
+            <a:r>
+              <a:rPr lang="de-AT" sz="1400" dirty="0"/>
+              <a:t>/Codebeispiele/Arrays/arrayIterations.js</a:t>
+            </a:r>
+          </a:p>
+          <a:p>
+            <a:endParaRPr lang="de-AT" sz="1200" dirty="0"/>
+          </a:p>
+        </p:txBody>
+      </p:sp>
+    </p:spTree>
+    <p:extLst>
+      <p:ext uri="{BB962C8B-B14F-4D97-AF65-F5344CB8AC3E}">
+        <p14:creationId xmlns:p14="http://schemas.microsoft.com/office/powerpoint/2010/main" val="4199995711"/>
+      </p:ext>
+    </p:extLst>
+  </p:cSld>
+  <p:clrMapOvr>
+    <a:masterClrMapping/>
+  </p:clrMapOvr>
+</p:sld>
+</file>
+
+<file path=ppt/slides/slide12.xml><?xml version="1.0" encoding="utf-8"?>
+<p:sld xmlns:a="http://schemas.openxmlformats.org/drawingml/2006/main" xmlns:r="http://schemas.openxmlformats.org/officeDocument/2006/relationships" xmlns:p="http://schemas.openxmlformats.org/presentationml/2006/main">
+  <p:cSld>
+    <p:spTree>
+      <p:nvGrpSpPr>
+        <p:cNvPr id="1" name=""/>
+        <p:cNvGrpSpPr/>
+        <p:nvPr/>
+      </p:nvGrpSpPr>
+      <p:grpSpPr>
+        <a:xfrm>
+          <a:off x="0" y="0"/>
+          <a:ext cx="0" cy="0"/>
+          <a:chOff x="0" y="0"/>
+          <a:chExt cx="0" cy="0"/>
+        </a:xfrm>
+      </p:grpSpPr>
+      <p:sp>
+        <p:nvSpPr>
+          <p:cNvPr id="2" name="Titel 1">
+            <a:extLst>
+              <a:ext uri="{FF2B5EF4-FFF2-40B4-BE49-F238E27FC236}">
+                <a16:creationId xmlns:a16="http://schemas.microsoft.com/office/drawing/2014/main" id="{1AEFE426-FD19-FFE4-960B-09892F2F89BC}"/>
+              </a:ext>
+            </a:extLst>
+          </p:cNvPr>
+          <p:cNvSpPr>
+            <a:spLocks noGrp="1"/>
+          </p:cNvSpPr>
+          <p:nvPr>
+            <p:ph type="title"/>
+          </p:nvPr>
+        </p:nvSpPr>
+        <p:spPr/>
+        <p:txBody>
+          <a:bodyPr/>
+          <a:lstStyle/>
+          <a:p>
+            <a:r>
+              <a:rPr lang="de-AT" dirty="0"/>
+              <a:t>Array Sortierung</a:t>
+            </a:r>
+          </a:p>
+        </p:txBody>
+      </p:sp>
+      <p:sp>
+        <p:nvSpPr>
+          <p:cNvPr id="3" name="Inhaltsplatzhalter 2">
+            <a:extLst>
+              <a:ext uri="{FF2B5EF4-FFF2-40B4-BE49-F238E27FC236}">
+                <a16:creationId xmlns:a16="http://schemas.microsoft.com/office/drawing/2014/main" id="{C5EB3689-40AF-3AE8-B82C-E20AF38972C2}"/>
+              </a:ext>
+            </a:extLst>
+          </p:cNvPr>
+          <p:cNvSpPr>
+            <a:spLocks noGrp="1"/>
+          </p:cNvSpPr>
+          <p:nvPr>
+            <p:ph idx="1"/>
+          </p:nvPr>
+        </p:nvSpPr>
+        <p:spPr>
+          <a:xfrm>
+            <a:off x="1101405" y="2057400"/>
+            <a:ext cx="8713715" cy="4393734"/>
+          </a:xfrm>
+        </p:spPr>
+        <p:txBody>
+          <a:bodyPr>
+            <a:noAutofit/>
+          </a:bodyPr>
+          <a:lstStyle/>
+          <a:p>
+            <a:r>
+              <a:rPr lang="de-AT" sz="1400" dirty="0"/>
+              <a:t>Um ein Array alphabetisch zu sortieren kann die Funktion </a:t>
+            </a:r>
+            <a:r>
+              <a:rPr lang="de-AT" sz="1400" b="1" dirty="0" err="1"/>
+              <a:t>sort</a:t>
+            </a:r>
+            <a:r>
+              <a:rPr lang="de-AT" sz="1400" b="1" dirty="0"/>
+              <a:t>() </a:t>
+            </a:r>
+            <a:r>
+              <a:rPr lang="de-AT" sz="1400" dirty="0"/>
+              <a:t>verwendet werden</a:t>
+            </a:r>
+          </a:p>
+          <a:p>
+            <a:r>
+              <a:rPr lang="de-AT" sz="1400" dirty="0"/>
+              <a:t>Um Arrays numerisch zu sortieren, verwendet man ein eine </a:t>
+            </a:r>
+            <a:r>
+              <a:rPr lang="de-AT" sz="1400" b="1" dirty="0"/>
+              <a:t>Vergleichsfunktion </a:t>
+            </a:r>
+          </a:p>
+          <a:p>
+            <a:pPr lvl="1"/>
+            <a:r>
+              <a:rPr lang="de-AT" sz="1200" dirty="0"/>
+              <a:t>Wenn das Ergebnis negativ ist, wird a vor b sortiert.</a:t>
+            </a:r>
+          </a:p>
+          <a:p>
+            <a:pPr lvl="1"/>
+            <a:r>
+              <a:rPr lang="de-AT" sz="1200" dirty="0"/>
+              <a:t>Wenn das Ergebnis positiv ist, wird b vor a sortiert.</a:t>
+            </a:r>
+          </a:p>
+          <a:p>
+            <a:pPr lvl="1"/>
+            <a:r>
+              <a:rPr lang="de-AT" sz="1200" dirty="0"/>
+              <a:t>Wenn das Ergebnis 0 ist, gibt es keine Änderungen in der Sortierreihenfolge der beiden Werte.</a:t>
+            </a:r>
+          </a:p>
+          <a:p>
+            <a:r>
+              <a:rPr lang="de-AT" sz="1400" dirty="0"/>
+              <a:t>Die Funktion reverse() kehrt das Array um (Elemente werden von hinten nach vorne ausgelesen)</a:t>
+            </a:r>
+          </a:p>
+          <a:p>
+            <a:r>
+              <a:rPr lang="de-AT" sz="1400" dirty="0"/>
+              <a:t>Ressourcen: 7. </a:t>
+            </a:r>
+            <a:r>
+              <a:rPr lang="de-AT" sz="1400" dirty="0" err="1"/>
+              <a:t>Javascript</a:t>
+            </a:r>
+            <a:r>
+              <a:rPr lang="de-AT" sz="1400" dirty="0"/>
+              <a:t>/Codebeispiele/Arrays/arrayIterations.js</a:t>
+            </a:r>
+          </a:p>
+          <a:p>
+            <a:endParaRPr lang="de-AT" sz="1200" dirty="0"/>
+          </a:p>
+        </p:txBody>
+      </p:sp>
+      <p:pic>
+        <p:nvPicPr>
+          <p:cNvPr id="5" name="Grafik 4">
+            <a:extLst>
+              <a:ext uri="{FF2B5EF4-FFF2-40B4-BE49-F238E27FC236}">
+                <a16:creationId xmlns:a16="http://schemas.microsoft.com/office/drawing/2014/main" id="{D153587F-5A37-3CAD-DE73-2A2CF011937F}"/>
+              </a:ext>
+            </a:extLst>
+          </p:cNvPr>
+          <p:cNvPicPr>
+            <a:picLocks noChangeAspect="1"/>
+          </p:cNvPicPr>
+          <p:nvPr/>
+        </p:nvPicPr>
+        <p:blipFill>
+          <a:blip r:embed="rId2"/>
+          <a:stretch>
+            <a:fillRect/>
+          </a:stretch>
+        </p:blipFill>
+        <p:spPr>
+          <a:xfrm>
+            <a:off x="8228994" y="2166808"/>
+            <a:ext cx="3776609" cy="702227"/>
+          </a:xfrm>
+          <a:prstGeom prst="rect">
+            <a:avLst/>
+          </a:prstGeom>
+        </p:spPr>
+      </p:pic>
+    </p:spTree>
+    <p:extLst>
+      <p:ext uri="{BB962C8B-B14F-4D97-AF65-F5344CB8AC3E}">
+        <p14:creationId xmlns:p14="http://schemas.microsoft.com/office/powerpoint/2010/main" val="3712349557"/>
+      </p:ext>
+    </p:extLst>
+  </p:cSld>
+  <p:clrMapOvr>
+    <a:masterClrMapping/>
+  </p:clrMapOvr>
+</p:sld>
+</file>
+
+<file path=ppt/slides/slide13.xml><?xml version="1.0" encoding="utf-8"?>
+<p:sld xmlns:a="http://schemas.openxmlformats.org/drawingml/2006/main" xmlns:r="http://schemas.openxmlformats.org/officeDocument/2006/relationships" xmlns:p="http://schemas.openxmlformats.org/presentationml/2006/main">
+  <p:cSld>
+    <p:spTree>
+      <p:nvGrpSpPr>
+        <p:cNvPr id="1" name=""/>
+        <p:cNvGrpSpPr/>
+        <p:nvPr/>
+      </p:nvGrpSpPr>
+      <p:grpSpPr>
+        <a:xfrm>
+          <a:off x="0" y="0"/>
+          <a:ext cx="0" cy="0"/>
+          <a:chOff x="0" y="0"/>
+          <a:chExt cx="0" cy="0"/>
+        </a:xfrm>
+      </p:grpSpPr>
+      <p:sp>
+        <p:nvSpPr>
+          <p:cNvPr id="2" name="Titel 1">
+            <a:extLst>
+              <a:ext uri="{FF2B5EF4-FFF2-40B4-BE49-F238E27FC236}">
+                <a16:creationId xmlns:a16="http://schemas.microsoft.com/office/drawing/2014/main" id="{761EBB4E-B0D7-D063-22CC-B86BE9151634}"/>
+              </a:ext>
+            </a:extLst>
+          </p:cNvPr>
+          <p:cNvSpPr>
+            <a:spLocks noGrp="1"/>
+          </p:cNvSpPr>
+          <p:nvPr>
+            <p:ph type="title"/>
+          </p:nvPr>
+        </p:nvSpPr>
+        <p:spPr>
+          <a:xfrm>
+            <a:off x="1089426" y="690773"/>
+            <a:ext cx="8915402" cy="1371600"/>
+          </a:xfrm>
+        </p:spPr>
+        <p:txBody>
+          <a:bodyPr/>
+          <a:lstStyle/>
+          <a:p>
+            <a:r>
+              <a:rPr lang="de-AT" dirty="0"/>
+              <a:t>Übung zu Array Methoden „Rangliste“</a:t>
+            </a:r>
+          </a:p>
+        </p:txBody>
+      </p:sp>
+      <p:sp>
+        <p:nvSpPr>
+          <p:cNvPr id="3" name="Inhaltsplatzhalter 2">
+            <a:extLst>
+              <a:ext uri="{FF2B5EF4-FFF2-40B4-BE49-F238E27FC236}">
+                <a16:creationId xmlns:a16="http://schemas.microsoft.com/office/drawing/2014/main" id="{186E00EF-F784-0D95-4D63-29339C897CE0}"/>
+              </a:ext>
+            </a:extLst>
+          </p:cNvPr>
+          <p:cNvSpPr>
+            <a:spLocks noGrp="1"/>
+          </p:cNvSpPr>
+          <p:nvPr>
+            <p:ph idx="1"/>
+          </p:nvPr>
+        </p:nvSpPr>
+        <p:spPr>
+          <a:xfrm>
+            <a:off x="906011" y="2057400"/>
+            <a:ext cx="7491369" cy="4137259"/>
+          </a:xfrm>
+        </p:spPr>
+        <p:txBody>
+          <a:bodyPr>
+            <a:normAutofit fontScale="92500" lnSpcReduction="10000"/>
+          </a:bodyPr>
+          <a:lstStyle/>
+          <a:p>
+            <a:r>
+              <a:rPr lang="de-AT" dirty="0"/>
+              <a:t>Verwende die </a:t>
+            </a:r>
+            <a:r>
+              <a:rPr lang="de-AT" dirty="0" err="1"/>
+              <a:t>forEach</a:t>
+            </a:r>
+            <a:r>
+              <a:rPr lang="de-AT" dirty="0"/>
+              <a:t>-Methode, um jeden Teilnehmer und seine Punktzahl auszugeben.</a:t>
+            </a:r>
+          </a:p>
+          <a:p>
+            <a:r>
+              <a:rPr lang="de-AT" dirty="0"/>
+              <a:t>Verwende die </a:t>
+            </a:r>
+            <a:r>
+              <a:rPr lang="de-AT" dirty="0" err="1"/>
+              <a:t>map</a:t>
+            </a:r>
+            <a:r>
+              <a:rPr lang="de-AT" dirty="0"/>
+              <a:t>-Methode, um ein neues Array zu erstellen, das nur die Namen der Teilnehmer enthält.</a:t>
+            </a:r>
+          </a:p>
+          <a:p>
+            <a:r>
+              <a:rPr lang="de-AT" dirty="0"/>
+              <a:t>Verwende die filter-Methode, um ein neues Array zu erstellen, das nur die Teilnehmer enthält, die mehr als 100 Punkte haben.</a:t>
+            </a:r>
+          </a:p>
+          <a:p>
+            <a:r>
+              <a:rPr lang="de-AT" dirty="0"/>
+              <a:t>Verwende die </a:t>
+            </a:r>
+            <a:r>
+              <a:rPr lang="de-AT" dirty="0" err="1"/>
+              <a:t>sort</a:t>
+            </a:r>
+            <a:r>
+              <a:rPr lang="de-AT" dirty="0"/>
+              <a:t>-Methode, um die Liste der Teilnehmer nach ihren Punktzahlen zu sortieren (aufsteigend).</a:t>
+            </a:r>
+          </a:p>
+          <a:p>
+            <a:r>
+              <a:rPr lang="de-AT" dirty="0"/>
+              <a:t>Verwende die reverse-Methode, um die Liste in absteigender Reihenfolge zu sortieren.</a:t>
+            </a:r>
+          </a:p>
+          <a:p>
+            <a:r>
+              <a:rPr lang="de-AT" dirty="0"/>
+              <a:t>Gib die sortierte Rangliste aus, die sowohl den Namen als auch die Punktzahl jedes Teilnehmers enthält.</a:t>
+            </a:r>
+          </a:p>
+        </p:txBody>
+      </p:sp>
+      <p:pic>
+        <p:nvPicPr>
+          <p:cNvPr id="3083" name="Picture 11" descr="Leaderboard Images – Browse 58,207 Stock Photos, Vectors, and Video | Adobe  Stock">
+            <a:extLst>
+              <a:ext uri="{FF2B5EF4-FFF2-40B4-BE49-F238E27FC236}">
+                <a16:creationId xmlns:a16="http://schemas.microsoft.com/office/drawing/2014/main" id="{86100648-A41D-3752-3551-4ACE1189BE43}"/>
+              </a:ext>
+            </a:extLst>
+          </p:cNvPr>
+          <p:cNvPicPr>
+            <a:picLocks noChangeAspect="1" noChangeArrowheads="1"/>
+          </p:cNvPicPr>
+          <p:nvPr/>
+        </p:nvPicPr>
+        <p:blipFill>
+          <a:blip r:embed="rId2">
+            <a:extLst>
+              <a:ext uri="{28A0092B-C50C-407E-A947-70E740481C1C}">
+                <a14:useLocalDpi xmlns:a14="http://schemas.microsoft.com/office/drawing/2010/main" val="0"/>
+              </a:ext>
+            </a:extLst>
+          </a:blip>
+          <a:srcRect/>
+          <a:stretch>
+            <a:fillRect/>
+          </a:stretch>
+        </p:blipFill>
+        <p:spPr bwMode="auto">
+          <a:xfrm>
+            <a:off x="8571116" y="3429000"/>
+            <a:ext cx="2935224" cy="2935224"/>
+          </a:xfrm>
+          <a:prstGeom prst="rect">
+            <a:avLst/>
+          </a:prstGeom>
+          <a:noFill/>
+          <a:extLst>
+            <a:ext uri="{909E8E84-426E-40DD-AFC4-6F175D3DCCD1}">
+              <a14:hiddenFill xmlns:a14="http://schemas.microsoft.com/office/drawing/2010/main">
+                <a:solidFill>
+                  <a:srgbClr val="FFFFFF"/>
+                </a:solidFill>
+              </a14:hiddenFill>
+            </a:ext>
+          </a:extLst>
+        </p:spPr>
+      </p:pic>
+      <p:pic>
+        <p:nvPicPr>
+          <p:cNvPr id="7" name="Grafik 6">
+            <a:extLst>
+              <a:ext uri="{FF2B5EF4-FFF2-40B4-BE49-F238E27FC236}">
+                <a16:creationId xmlns:a16="http://schemas.microsoft.com/office/drawing/2014/main" id="{EA4B9EE0-7F22-F187-AAF9-B54E5FF1693A}"/>
+              </a:ext>
+            </a:extLst>
+          </p:cNvPr>
+          <p:cNvPicPr>
+            <a:picLocks noChangeAspect="1"/>
+          </p:cNvPicPr>
+          <p:nvPr/>
+        </p:nvPicPr>
+        <p:blipFill>
+          <a:blip r:embed="rId3"/>
+          <a:stretch>
+            <a:fillRect/>
+          </a:stretch>
+        </p:blipFill>
+        <p:spPr>
+          <a:xfrm>
+            <a:off x="8571116" y="2057400"/>
+            <a:ext cx="2867425" cy="1657581"/>
+          </a:xfrm>
+          <a:prstGeom prst="rect">
+            <a:avLst/>
+          </a:prstGeom>
+        </p:spPr>
+      </p:pic>
+    </p:spTree>
+    <p:extLst>
+      <p:ext uri="{BB962C8B-B14F-4D97-AF65-F5344CB8AC3E}">
+        <p14:creationId xmlns:p14="http://schemas.microsoft.com/office/powerpoint/2010/main" val="2615312912"/>
+      </p:ext>
+    </p:extLst>
+  </p:cSld>
+  <p:clrMapOvr>
+    <a:masterClrMapping/>
+  </p:clrMapOvr>
+</p:sld>
+</file>
+
+<file path=ppt/slides/slide14.xml><?xml version="1.0" encoding="utf-8"?>
+<p:sld xmlns:a="http://schemas.openxmlformats.org/drawingml/2006/main" xmlns:r="http://schemas.openxmlformats.org/officeDocument/2006/relationships" xmlns:p="http://schemas.openxmlformats.org/presentationml/2006/main">
+  <p:cSld>
+    <p:bg>
+      <p:bgPr>
+        <a:solidFill>
+          <a:schemeClr val="bg1"/>
+        </a:solidFill>
+        <a:effectLst/>
+      </p:bgPr>
+    </p:bg>
+    <p:spTree>
+      <p:nvGrpSpPr>
+        <p:cNvPr id="1" name=""/>
+        <p:cNvGrpSpPr/>
+        <p:nvPr/>
+      </p:nvGrpSpPr>
+      <p:grpSpPr>
+        <a:xfrm>
+          <a:off x="0" y="0"/>
+          <a:ext cx="0" cy="0"/>
+          <a:chOff x="0" y="0"/>
+          <a:chExt cx="0" cy="0"/>
+        </a:xfrm>
+      </p:grpSpPr>
+      <p:sp>
+        <p:nvSpPr>
+          <p:cNvPr id="9" name="Rectangle 8">
+            <a:extLst>
+              <a:ext uri="{FF2B5EF4-FFF2-40B4-BE49-F238E27FC236}">
+                <a16:creationId xmlns:a16="http://schemas.microsoft.com/office/drawing/2014/main" id="{BE229233-9672-4675-99B7-6CBCEF1CD415}"/>
+              </a:ext>
+              <a:ext uri="{C183D7F6-B498-43B3-948B-1728B52AA6E4}">
+                <adec:decorative xmlns:adec="http://schemas.microsoft.com/office/drawing/2017/decorative" val="1"/>
+              </a:ext>
+            </a:extLst>
+          </p:cNvPr>
+          <p:cNvSpPr>
+            <a:spLocks noGrp="1" noRot="1" noChangeAspect="1" noMove="1" noResize="1" noEditPoints="1" noAdjustHandles="1" noChangeArrowheads="1" noChangeShapeType="1" noTextEdit="1"/>
+          </p:cNvSpPr>
+          <p:nvPr>
+            <p:extLst>
+              <p:ext uri="{386F3935-93C4-4BCD-93E2-E3B085C9AB24}">
+                <p16:designElem xmlns:p16="http://schemas.microsoft.com/office/powerpoint/2015/main" val="1"/>
+              </p:ext>
+            </p:extLst>
+          </p:nvPr>
+        </p:nvSpPr>
+        <p:spPr>
+          <a:xfrm>
+            <a:off x="0" y="0"/>
+            <a:ext cx="12192000" cy="6858000"/>
+          </a:xfrm>
+          <a:prstGeom prst="rect">
+            <a:avLst/>
+          </a:prstGeom>
+          <a:solidFill>
+            <a:schemeClr val="bg1"/>
+          </a:solidFill>
+          <a:ln w="12700" cap="flat" cmpd="sng" algn="ctr">
+            <a:noFill/>
+            <a:prstDash val="solid"/>
+            <a:miter lim="800000"/>
+          </a:ln>
+          <a:effectLst/>
+        </p:spPr>
+        <p:style>
+          <a:lnRef idx="2">
+            <a:schemeClr val="accent1">
+              <a:shade val="50000"/>
+            </a:schemeClr>
+          </a:lnRef>
+          <a:fillRef idx="1">
+            <a:schemeClr val="accent1"/>
+          </a:fillRef>
+          <a:effectRef idx="0">
+            <a:schemeClr val="accent1"/>
+          </a:effectRef>
+          <a:fontRef idx="minor">
+            <a:schemeClr val="lt1"/>
+          </a:fontRef>
+        </p:style>
+        <p:txBody>
+          <a:bodyPr rtlCol="0" anchor="ctr"/>
+          <a:lstStyle/>
+          <a:p>
+            <a:pPr algn="ctr"/>
+            <a:endParaRPr lang="en-US"/>
+          </a:p>
+        </p:txBody>
+      </p:sp>
+      <p:pic>
+        <p:nvPicPr>
+          <p:cNvPr id="4" name="Picture 3" descr="Ein Bild, das Screenshot, Wasser, Blau, unterwasser enthält.&#10;&#10;Automatisch generierte Beschreibung">
+            <a:extLst>
+              <a:ext uri="{FF2B5EF4-FFF2-40B4-BE49-F238E27FC236}">
+                <a16:creationId xmlns:a16="http://schemas.microsoft.com/office/drawing/2014/main" id="{8888D5D7-5569-BBD7-CF94-2A7F62111266}"/>
+              </a:ext>
+            </a:extLst>
+          </p:cNvPr>
+          <p:cNvPicPr>
+            <a:picLocks noChangeAspect="1"/>
+          </p:cNvPicPr>
+          <p:nvPr/>
+        </p:nvPicPr>
+        <p:blipFill rotWithShape="1">
+          <a:blip r:embed="rId2"/>
+          <a:srcRect l="154" r="33284"/>
+          <a:stretch/>
+        </p:blipFill>
+        <p:spPr>
+          <a:xfrm>
+            <a:off x="20" y="-2"/>
+            <a:ext cx="8115280" cy="6858001"/>
+          </a:xfrm>
+          <a:prstGeom prst="rect">
+            <a:avLst/>
+          </a:prstGeom>
+        </p:spPr>
+      </p:pic>
+      <p:sp>
+        <p:nvSpPr>
+          <p:cNvPr id="11" name="Rectangle 10">
+            <a:extLst>
+              <a:ext uri="{FF2B5EF4-FFF2-40B4-BE49-F238E27FC236}">
+                <a16:creationId xmlns:a16="http://schemas.microsoft.com/office/drawing/2014/main" id="{EC5FF010-B53C-46BE-BEEF-AF926A00F67F}"/>
+              </a:ext>
+              <a:ext uri="{C183D7F6-B498-43B3-948B-1728B52AA6E4}">
+                <adec:decorative xmlns:adec="http://schemas.microsoft.com/office/drawing/2017/decorative" val="1"/>
+              </a:ext>
+            </a:extLst>
+          </p:cNvPr>
+          <p:cNvSpPr>
+            <a:spLocks noGrp="1" noRot="1" noChangeAspect="1" noMove="1" noResize="1" noEditPoints="1" noAdjustHandles="1" noChangeArrowheads="1" noChangeShapeType="1" noTextEdit="1"/>
+          </p:cNvSpPr>
+          <p:nvPr>
+            <p:extLst>
+              <p:ext uri="{386F3935-93C4-4BCD-93E2-E3B085C9AB24}">
+                <p16:designElem xmlns:p16="http://schemas.microsoft.com/office/powerpoint/2015/main" val="1"/>
+              </p:ext>
+            </p:extLst>
+          </p:nvPr>
+        </p:nvSpPr>
+        <p:spPr>
+          <a:xfrm>
+            <a:off x="3238500" y="2057400"/>
+            <a:ext cx="4876800" cy="2743201"/>
+          </a:xfrm>
+          <a:prstGeom prst="rect">
+            <a:avLst/>
+          </a:prstGeom>
+          <a:solidFill>
+            <a:schemeClr val="bg1"/>
+          </a:solidFill>
+          <a:ln w="12700" cap="flat" cmpd="sng" algn="ctr">
+            <a:noFill/>
+            <a:prstDash val="solid"/>
+            <a:miter lim="800000"/>
+          </a:ln>
+          <a:effectLst/>
+        </p:spPr>
+        <p:style>
+          <a:lnRef idx="2">
+            <a:schemeClr val="accent1">
+              <a:shade val="50000"/>
+            </a:schemeClr>
+          </a:lnRef>
+          <a:fillRef idx="1">
+            <a:schemeClr val="accent1"/>
+          </a:fillRef>
+          <a:effectRef idx="0">
+            <a:schemeClr val="accent1"/>
+          </a:effectRef>
+          <a:fontRef idx="minor">
+            <a:schemeClr val="lt1"/>
+          </a:fontRef>
+        </p:style>
+        <p:txBody>
+          <a:bodyPr rtlCol="0" anchor="ctr"/>
+          <a:lstStyle/>
+          <a:p>
+            <a:pPr algn="ctr"/>
+            <a:endParaRPr lang="en-US"/>
+          </a:p>
+        </p:txBody>
+      </p:sp>
+      <p:sp>
+        <p:nvSpPr>
+          <p:cNvPr id="13" name="Rectangle 12">
+            <a:extLst>
+              <a:ext uri="{FF2B5EF4-FFF2-40B4-BE49-F238E27FC236}">
+                <a16:creationId xmlns:a16="http://schemas.microsoft.com/office/drawing/2014/main" id="{8509AD9C-1F43-4138-A72B-8CA988EDD475}"/>
+              </a:ext>
+              <a:ext uri="{C183D7F6-B498-43B3-948B-1728B52AA6E4}">
+                <adec:decorative xmlns:adec="http://schemas.microsoft.com/office/drawing/2017/decorative" val="1"/>
+              </a:ext>
+            </a:extLst>
+          </p:cNvPr>
+          <p:cNvSpPr>
+            <a:spLocks noGrp="1" noRot="1" noChangeAspect="1" noMove="1" noResize="1" noEditPoints="1" noAdjustHandles="1" noChangeArrowheads="1" noChangeShapeType="1" noTextEdit="1"/>
+          </p:cNvSpPr>
+          <p:nvPr>
+            <p:extLst>
+              <p:ext uri="{386F3935-93C4-4BCD-93E2-E3B085C9AB24}">
+                <p16:designElem xmlns:p16="http://schemas.microsoft.com/office/powerpoint/2015/main" val="1"/>
+              </p:ext>
+            </p:extLst>
+          </p:nvPr>
+        </p:nvSpPr>
+        <p:spPr>
+          <a:xfrm>
+            <a:off x="8115300" y="2057400"/>
+            <a:ext cx="3276600" cy="2743201"/>
+          </a:xfrm>
+          <a:prstGeom prst="rect">
+            <a:avLst/>
+          </a:prstGeom>
+          <a:solidFill>
+            <a:schemeClr val="bg2"/>
+          </a:solidFill>
+          <a:ln w="12700" cap="flat" cmpd="sng" algn="ctr">
+            <a:noFill/>
+            <a:prstDash val="solid"/>
+            <a:miter lim="800000"/>
+          </a:ln>
+          <a:effectLst/>
+        </p:spPr>
+        <p:style>
+          <a:lnRef idx="2">
+            <a:schemeClr val="accent1">
+              <a:shade val="50000"/>
+            </a:schemeClr>
+          </a:lnRef>
+          <a:fillRef idx="1">
+            <a:schemeClr val="accent1"/>
+          </a:fillRef>
+          <a:effectRef idx="0">
+            <a:schemeClr val="accent1"/>
+          </a:effectRef>
+          <a:fontRef idx="minor">
+            <a:schemeClr val="lt1"/>
+          </a:fontRef>
+        </p:style>
+        <p:txBody>
+          <a:bodyPr rtlCol="0" anchor="ctr"/>
+          <a:lstStyle/>
+          <a:p>
+            <a:pPr algn="ctr"/>
+            <a:endParaRPr lang="en-US"/>
+          </a:p>
+        </p:txBody>
+      </p:sp>
+      <p:sp>
+        <p:nvSpPr>
+          <p:cNvPr id="2" name="Titel 1">
+            <a:extLst>
+              <a:ext uri="{FF2B5EF4-FFF2-40B4-BE49-F238E27FC236}">
+                <a16:creationId xmlns:a16="http://schemas.microsoft.com/office/drawing/2014/main" id="{C116823A-F0C0-9F76-4B25-AE0CF378C7B1}"/>
+              </a:ext>
+            </a:extLst>
+          </p:cNvPr>
+          <p:cNvSpPr>
+            <a:spLocks noGrp="1"/>
+          </p:cNvSpPr>
+          <p:nvPr>
+            <p:ph type="ctrTitle"/>
+          </p:nvPr>
+        </p:nvSpPr>
+        <p:spPr>
+          <a:xfrm>
+            <a:off x="3305909" y="2505059"/>
+            <a:ext cx="4712676" cy="1853023"/>
+          </a:xfrm>
+        </p:spPr>
+        <p:txBody>
+          <a:bodyPr anchor="ctr">
+            <a:normAutofit/>
+          </a:bodyPr>
+          <a:lstStyle/>
+          <a:p>
+            <a:pPr algn="ctr"/>
+            <a:r>
+              <a:rPr lang="de-AT" sz="3200" dirty="0"/>
+              <a:t>Objekte</a:t>
+            </a:r>
+          </a:p>
+        </p:txBody>
+      </p:sp>
+      <p:pic>
+        <p:nvPicPr>
+          <p:cNvPr id="2050" name="Picture 2" descr="JavaScript logo and symbol, meaning, history, PNG"/>
+          <p:cNvPicPr>
+            <a:picLocks noChangeAspect="1" noChangeArrowheads="1"/>
+          </p:cNvPicPr>
+          <p:nvPr/>
+        </p:nvPicPr>
+        <p:blipFill>
+          <a:blip r:embed="rId3" cstate="hqprint">
+            <a:extLst>
+              <a:ext uri="{28A0092B-C50C-407E-A947-70E740481C1C}">
+                <a14:useLocalDpi xmlns:a14="http://schemas.microsoft.com/office/drawing/2010/main" val="0"/>
+              </a:ext>
+            </a:extLst>
+          </a:blip>
+          <a:srcRect/>
+          <a:stretch>
+            <a:fillRect/>
+          </a:stretch>
+        </p:blipFill>
+        <p:spPr bwMode="auto">
+          <a:xfrm>
+            <a:off x="7856172" y="2210667"/>
+            <a:ext cx="3898658" cy="2436661"/>
+          </a:xfrm>
+          <a:prstGeom prst="rect">
+            <a:avLst/>
+          </a:prstGeom>
+          <a:noFill/>
+          <a:extLst>
+            <a:ext uri="{909E8E84-426E-40DD-AFC4-6F175D3DCCD1}">
+              <a14:hiddenFill xmlns:a14="http://schemas.microsoft.com/office/drawing/2010/main">
+                <a:solidFill>
+                  <a:srgbClr val="FFFFFF"/>
+                </a:solidFill>
+              </a14:hiddenFill>
+            </a:ext>
+          </a:extLst>
+        </p:spPr>
+      </p:pic>
+    </p:spTree>
+    <p:extLst>
+      <p:ext uri="{BB962C8B-B14F-4D97-AF65-F5344CB8AC3E}">
+        <p14:creationId xmlns:p14="http://schemas.microsoft.com/office/powerpoint/2010/main" val="3902501999"/>
+      </p:ext>
+    </p:extLst>
+  </p:cSld>
+  <p:clrMapOvr>
+    <a:masterClrMapping/>
+  </p:clrMapOvr>
+</p:sld>
+</file>
+
+<file path=ppt/slides/slide15.xml><?xml version="1.0" encoding="utf-8"?>
+<p:sld xmlns:a="http://schemas.openxmlformats.org/drawingml/2006/main" xmlns:r="http://schemas.openxmlformats.org/officeDocument/2006/relationships" xmlns:p="http://schemas.openxmlformats.org/presentationml/2006/main">
+  <p:cSld>
+    <p:spTree>
+      <p:nvGrpSpPr>
+        <p:cNvPr id="1" name=""/>
+        <p:cNvGrpSpPr/>
+        <p:nvPr/>
+      </p:nvGrpSpPr>
+      <p:grpSpPr>
+        <a:xfrm>
+          <a:off x="0" y="0"/>
+          <a:ext cx="0" cy="0"/>
+          <a:chOff x="0" y="0"/>
+          <a:chExt cx="0" cy="0"/>
+        </a:xfrm>
+      </p:grpSpPr>
+      <p:sp>
+        <p:nvSpPr>
           <p:cNvPr id="2" name="Titel 1">
             <a:extLst>
               <a:ext uri="{FF2B5EF4-FFF2-40B4-BE49-F238E27FC236}">
@@ -3933,15 +6023,15 @@
           <a:lstStyle/>
           <a:p>
             <a:r>
-              <a:rPr lang="en-US" dirty="0" err="1" smtClean="0"/>
+              <a:rPr lang="en-US" dirty="0" err="1"/>
               <a:t>Objekte</a:t>
             </a:r>
             <a:r>
-              <a:rPr lang="en-US" dirty="0" smtClean="0"/>
+              <a:rPr lang="en-US" dirty="0"/>
               <a:t> </a:t>
             </a:r>
             <a:r>
-              <a:rPr lang="en-US" dirty="0" err="1" smtClean="0"/>
+              <a:rPr lang="en-US" dirty="0" err="1"/>
               <a:t>Grundlagen</a:t>
             </a:r>
             <a:endParaRPr lang="de-AT" dirty="0"/>
@@ -3972,40 +6062,19 @@
         </p:spPr>
         <p:txBody>
           <a:bodyPr>
-            <a:normAutofit lnSpcReduction="10000"/>
+            <a:normAutofit fontScale="92500"/>
           </a:bodyPr>
           <a:lstStyle/>
           <a:p>
             <a:r>
               <a:rPr lang="de-DE" dirty="0"/>
-              <a:t>Mit Geschwungenen Klammern { } kann man Objekte </a:t>
-            </a:r>
-            <a:r>
-              <a:rPr lang="de-DE" dirty="0" smtClean="0"/>
-              <a:t>definieren</a:t>
-            </a:r>
+              <a:t>Mit Geschwungenen Klammern { } kann man Objekte definieren, die Wertepaare speichern können. </a:t>
+            </a:r>
+          </a:p>
+          <a:p>
             <a:r>
               <a:rPr lang="de-DE" dirty="0"/>
-              <a:t>, die </a:t>
-            </a:r>
-            <a:r>
-              <a:rPr lang="de-DE" dirty="0" smtClean="0"/>
-              <a:t>Wertepaare speichern </a:t>
-            </a:r>
-            <a:r>
-              <a:rPr lang="de-DE" dirty="0"/>
-              <a:t>können. </a:t>
-            </a:r>
-            <a:endParaRPr lang="de-DE" dirty="0" smtClean="0"/>
-          </a:p>
-          <a:p>
-            <a:r>
-              <a:rPr lang="de-DE" dirty="0" smtClean="0"/>
-              <a:t>Darin </a:t>
-            </a:r>
-            <a:r>
-              <a:rPr lang="de-DE" dirty="0"/>
-              <a:t>gibt man mit Doppelpunkt </a:t>
+              <a:t>Darin gibt man mit Doppelpunkt </a:t>
             </a:r>
             <a:r>
               <a:rPr lang="de-DE" b="1" dirty="0"/>
@@ -4013,43 +6082,22 @@
             </a:r>
             <a:r>
               <a:rPr lang="de-DE" dirty="0"/>
-              <a:t>getrennt den Schlüssel (</a:t>
-            </a:r>
-            <a:r>
-              <a:rPr lang="de-DE" dirty="0" smtClean="0"/>
-              <a:t>Key) und </a:t>
-            </a:r>
+              <a:t>getrennt den Schlüssel (Key) und den Wert (Value) an </a:t>
+            </a:r>
+          </a:p>
+          <a:p>
             <a:r>
               <a:rPr lang="de-DE" dirty="0"/>
-              <a:t>den Wert (Value) </a:t>
-            </a:r>
-            <a:r>
-              <a:rPr lang="de-DE" dirty="0" smtClean="0"/>
-              <a:t>an </a:t>
-            </a:r>
-          </a:p>
-          <a:p>
-            <a:r>
-              <a:rPr lang="de-DE" dirty="0"/>
-              <a:t>M</a:t>
-            </a:r>
-            <a:r>
-              <a:rPr lang="de-DE" dirty="0" smtClean="0"/>
-              <a:t>ehrere </a:t>
-            </a:r>
-            <a:r>
-              <a:rPr lang="de-DE" dirty="0"/>
-              <a:t>Wertepaare werden durch Komma </a:t>
+              <a:t>Mehrere Wertepaare werden durch Komma </a:t>
             </a:r>
             <a:r>
               <a:rPr lang="de-DE" b="1" dirty="0"/>
               <a:t>, </a:t>
             </a:r>
             <a:r>
-              <a:rPr lang="de-DE" dirty="0" smtClean="0"/>
+              <a:rPr lang="de-DE" dirty="0"/>
               <a:t>getrennt</a:t>
             </a:r>
-            <a:endParaRPr lang="de-DE" dirty="0"/>
           </a:p>
           <a:p>
             <a:r>
@@ -4076,7 +6124,6 @@
               <a:rPr lang="de-DE" dirty="0"/>
               <a:t>Hat man den Schlüssel nur als String, kann man auch mit [ ] darauf zugreifen!</a:t>
             </a:r>
-            <a:endParaRPr lang="de-DE" dirty="0" smtClean="0"/>
           </a:p>
         </p:txBody>
       </p:sp>
@@ -4516,7 +6563,7 @@
 </p:sld>
 </file>
 
-<file path=ppt/slides/slide11.xml><?xml version="1.0" encoding="utf-8"?>
+<file path=ppt/slides/slide16.xml><?xml version="1.0" encoding="utf-8"?>
 <p:sld xmlns:a="http://schemas.openxmlformats.org/drawingml/2006/main" xmlns:r="http://schemas.openxmlformats.org/officeDocument/2006/relationships" xmlns:p="http://schemas.openxmlformats.org/presentationml/2006/main">
   <p:cSld>
     <p:spTree>
@@ -4549,15 +6596,15 @@
           <a:lstStyle/>
           <a:p>
             <a:r>
-              <a:rPr lang="en-US" dirty="0" err="1" smtClean="0"/>
+              <a:rPr lang="en-US" dirty="0" err="1"/>
               <a:t>Objekte</a:t>
             </a:r>
             <a:r>
-              <a:rPr lang="en-US" dirty="0" smtClean="0"/>
+              <a:rPr lang="en-US" dirty="0"/>
               <a:t> </a:t>
             </a:r>
             <a:r>
-              <a:rPr lang="en-US" dirty="0" err="1" smtClean="0"/>
+              <a:rPr lang="en-US" dirty="0" err="1"/>
               <a:t>verändern</a:t>
             </a:r>
             <a:endParaRPr lang="en-US" dirty="0"/>
@@ -4597,37 +6644,21 @@
               <a:t>und dem Schlüssel (Key) auf das Objekt zu, so </a:t>
             </a:r>
             <a:r>
-              <a:rPr lang="de-DE" dirty="0" err="1" smtClean="0"/>
+              <a:rPr lang="de-DE" dirty="0" err="1"/>
               <a:t>kann´man</a:t>
             </a:r>
             <a:r>
-              <a:rPr lang="de-DE" dirty="0" smtClean="0"/>
-              <a:t> </a:t>
-            </a:r>
-            <a:r>
               <a:rPr lang="de-DE" dirty="0"/>
-              <a:t>durch eine Zuweisung den gespeicherten Wert verändern.</a:t>
+              <a:t> durch eine Zuweisung den gespeicherten Wert verändern.</a:t>
             </a:r>
           </a:p>
           <a:p>
             <a:r>
               <a:rPr lang="de-DE" dirty="0"/>
-              <a:t>Benutzt man einen Schlüssel, der noch nicht im Objekt </a:t>
-            </a:r>
-            <a:r>
-              <a:rPr lang="de-DE" dirty="0" smtClean="0"/>
-              <a:t>definiert </a:t>
-            </a:r>
-            <a:r>
-              <a:rPr lang="de-DE" dirty="0"/>
-              <a:t>war, so erweitert </a:t>
-            </a:r>
-            <a:r>
-              <a:rPr lang="de-DE" dirty="0" smtClean="0"/>
-              <a:t>man </a:t>
-            </a:r>
-            <a:r>
-              <a:rPr lang="en-US" dirty="0" smtClean="0"/>
+              <a:t>Benutzt man einen Schlüssel, der noch nicht im Objekt definiert war, so erweitert man </a:t>
+            </a:r>
+            <a:r>
+              <a:rPr lang="en-US" dirty="0"/>
               <a:t>das </a:t>
             </a:r>
             <a:r>
@@ -4698,17 +6729,10 @@
   <p:clrMapOvr>
     <a:masterClrMapping/>
   </p:clrMapOvr>
-  <p:timing>
-    <p:tnLst>
-      <p:par>
-        <p:cTn id="1" dur="indefinite" restart="never" nodeType="tmRoot"/>
-      </p:par>
-    </p:tnLst>
-  </p:timing>
 </p:sld>
 </file>
 
-<file path=ppt/slides/slide12.xml><?xml version="1.0" encoding="utf-8"?>
+<file path=ppt/slides/slide17.xml><?xml version="1.0" encoding="utf-8"?>
 <p:sld xmlns:a="http://schemas.openxmlformats.org/drawingml/2006/main" xmlns:r="http://schemas.openxmlformats.org/officeDocument/2006/relationships" xmlns:p="http://schemas.openxmlformats.org/presentationml/2006/main">
   <p:cSld>
     <p:spTree>
@@ -4741,15 +6765,15 @@
           <a:lstStyle/>
           <a:p>
             <a:r>
-              <a:rPr lang="en-US" dirty="0" err="1" smtClean="0"/>
+              <a:rPr lang="en-US" dirty="0" err="1"/>
               <a:t>Objekte</a:t>
             </a:r>
             <a:r>
-              <a:rPr lang="en-US" dirty="0" smtClean="0"/>
+              <a:rPr lang="en-US" dirty="0"/>
               <a:t> &amp; Arrays </a:t>
             </a:r>
             <a:r>
-              <a:rPr lang="en-US" dirty="0" err="1" smtClean="0"/>
+              <a:rPr lang="en-US" dirty="0" err="1"/>
               <a:t>kombinieren</a:t>
             </a:r>
             <a:endParaRPr lang="en-US" dirty="0"/>
@@ -4780,30 +6804,26 @@
           <a:p>
             <a:r>
               <a:rPr lang="de-DE" dirty="0"/>
-              <a:t>Objekte und Arrays lassen </a:t>
-            </a:r>
-            <a:r>
-              <a:rPr lang="de-DE" dirty="0" smtClean="0"/>
-              <a:t>sich </a:t>
-            </a:r>
-            <a:r>
-              <a:rPr lang="en-US" dirty="0" err="1" smtClean="0"/>
+              <a:t>Objekte und Arrays lassen sich </a:t>
+            </a:r>
+            <a:r>
+              <a:rPr lang="en-US" dirty="0" err="1"/>
               <a:t>beliebig</a:t>
             </a:r>
             <a:r>
-              <a:rPr lang="en-US" dirty="0" smtClean="0"/>
+              <a:rPr lang="en-US" dirty="0"/>
               <a:t> </a:t>
             </a:r>
             <a:r>
-              <a:rPr lang="en-US" dirty="0" err="1" smtClean="0"/>
+              <a:rPr lang="en-US" dirty="0" err="1"/>
               <a:t>miteinander</a:t>
             </a:r>
             <a:r>
-              <a:rPr lang="en-US" dirty="0" smtClean="0"/>
+              <a:rPr lang="en-US" dirty="0"/>
               <a:t> </a:t>
             </a:r>
             <a:r>
-              <a:rPr lang="en-US" dirty="0" err="1" smtClean="0"/>
+              <a:rPr lang="en-US" dirty="0" err="1"/>
               <a:t>kombinieren</a:t>
             </a:r>
             <a:endParaRPr lang="en-US" dirty="0"/>
@@ -4811,41 +6831,20 @@
           <a:p>
             <a:r>
               <a:rPr lang="de-DE" dirty="0"/>
-              <a:t>ein Array kann als Wert in </a:t>
-            </a:r>
-            <a:r>
-              <a:rPr lang="de-DE" dirty="0" smtClean="0"/>
-              <a:t>einem Objekt </a:t>
-            </a:r>
+              <a:t>ein Array kann als Wert in einem Objekt liegen, und ein Objekt kann in einem Array liegen. </a:t>
+            </a:r>
+          </a:p>
+          <a:p>
             <a:r>
               <a:rPr lang="de-DE" dirty="0"/>
-              <a:t>liegen, und ein </a:t>
-            </a:r>
-            <a:r>
-              <a:rPr lang="de-DE" dirty="0" smtClean="0"/>
-              <a:t>Objekt kann </a:t>
-            </a:r>
-            <a:r>
-              <a:rPr lang="de-DE" dirty="0"/>
-              <a:t>in einem Array liegen. </a:t>
-            </a:r>
-            <a:endParaRPr lang="de-DE" dirty="0" smtClean="0"/>
-          </a:p>
-          <a:p>
-            <a:r>
-              <a:rPr lang="de-DE" dirty="0" smtClean="0"/>
-              <a:t>Auch</a:t>
-            </a:r>
-            <a:r>
-              <a:rPr lang="de-DE" dirty="0"/>
-              <a:t> </a:t>
-            </a:r>
-            <a:r>
-              <a:rPr lang="en-US" dirty="0" err="1" smtClean="0"/>
+              <a:t>Auch </a:t>
+            </a:r>
+            <a:r>
+              <a:rPr lang="en-US" dirty="0" err="1"/>
               <a:t>Objekte</a:t>
             </a:r>
             <a:r>
-              <a:rPr lang="en-US" dirty="0" smtClean="0"/>
+              <a:rPr lang="en-US" dirty="0"/>
               <a:t> </a:t>
             </a:r>
             <a:r>
@@ -4857,7 +6856,7 @@
               <a:t> in </a:t>
             </a:r>
             <a:r>
-              <a:rPr lang="en-US" dirty="0" err="1" smtClean="0"/>
+              <a:rPr lang="en-US" dirty="0" err="1"/>
               <a:t>Objekten</a:t>
             </a:r>
             <a:r>
@@ -4865,30 +6864,21 @@
               <a:t> </a:t>
             </a:r>
             <a:r>
-              <a:rPr lang="de-DE" dirty="0" smtClean="0"/>
-              <a:t>liegen </a:t>
-            </a:r>
-            <a:r>
               <a:rPr lang="de-DE" dirty="0"/>
-              <a:t>und Arrays in Arrays. </a:t>
-            </a:r>
-            <a:endParaRPr lang="de-DE" dirty="0" smtClean="0"/>
-          </a:p>
-          <a:p>
-            <a:r>
-              <a:rPr lang="de-DE" dirty="0" smtClean="0"/>
-              <a:t>So</a:t>
-            </a:r>
+              <a:t>liegen und Arrays in Arrays. </a:t>
+            </a:r>
+          </a:p>
+          <a:p>
             <a:r>
               <a:rPr lang="de-DE" dirty="0"/>
-              <a:t> </a:t>
-            </a:r>
-            <a:r>
-              <a:rPr lang="en-US" dirty="0" err="1" smtClean="0"/>
+              <a:t>So </a:t>
+            </a:r>
+            <a:r>
+              <a:rPr lang="en-US" dirty="0" err="1"/>
               <a:t>können</a:t>
             </a:r>
             <a:r>
-              <a:rPr lang="en-US" dirty="0" smtClean="0"/>
+              <a:rPr lang="en-US" dirty="0"/>
               <a:t> </a:t>
             </a:r>
             <a:r>
@@ -4908,7 +6898,7 @@
               <a:t> </a:t>
             </a:r>
             <a:r>
-              <a:rPr lang="en-US" dirty="0" err="1" smtClean="0"/>
+              <a:rPr lang="en-US" dirty="0" err="1"/>
               <a:t>tief</a:t>
             </a:r>
             <a:r>
@@ -4916,23 +6906,23 @@
               <a:t> </a:t>
             </a:r>
             <a:r>
-              <a:rPr lang="en-US" dirty="0" err="1" smtClean="0"/>
+              <a:rPr lang="en-US" dirty="0" err="1"/>
               <a:t>verschachtelte</a:t>
-            </a:r>
-            <a:r>
-              <a:rPr lang="en-US" dirty="0" smtClean="0"/>
-              <a:t> </a:t>
-            </a:r>
-            <a:r>
-              <a:rPr lang="en-US" dirty="0" err="1" smtClean="0"/>
-              <a:t>Strukturen</a:t>
             </a:r>
             <a:r>
               <a:rPr lang="en-US" dirty="0"/>
               <a:t> </a:t>
             </a:r>
             <a:r>
-              <a:rPr lang="en-US" dirty="0" err="1" smtClean="0"/>
+              <a:rPr lang="en-US" dirty="0" err="1"/>
+              <a:t>Strukturen</a:t>
+            </a:r>
+            <a:r>
+              <a:rPr lang="en-US" dirty="0"/>
+              <a:t> </a:t>
+            </a:r>
+            <a:r>
+              <a:rPr lang="en-US" dirty="0" err="1"/>
               <a:t>entstehen</a:t>
             </a:r>
             <a:r>
@@ -4976,17 +6966,10 @@
   <p:clrMapOvr>
     <a:masterClrMapping/>
   </p:clrMapOvr>
-  <p:timing>
-    <p:tnLst>
-      <p:par>
-        <p:cTn id="1" dur="indefinite" restart="never" nodeType="tmRoot"/>
-      </p:par>
-    </p:tnLst>
-  </p:timing>
 </p:sld>
 </file>
 
-<file path=ppt/slides/slide13.xml><?xml version="1.0" encoding="utf-8"?>
+<file path=ppt/slides/slide18.xml><?xml version="1.0" encoding="utf-8"?>
 <p:sld xmlns:a="http://schemas.openxmlformats.org/drawingml/2006/main" xmlns:r="http://schemas.openxmlformats.org/officeDocument/2006/relationships" xmlns:p="http://schemas.openxmlformats.org/presentationml/2006/main">
   <p:cSld>
     <p:spTree>
@@ -5019,7 +7002,7 @@
           <a:lstStyle/>
           <a:p>
             <a:r>
-              <a:rPr lang="de-AT" dirty="0" smtClean="0"/>
+              <a:rPr lang="de-AT" dirty="0"/>
               <a:t>Funktionen innerhalb von Objekten</a:t>
             </a:r>
             <a:endParaRPr lang="en-US" dirty="0"/>
@@ -5048,46 +7031,38 @@
           <a:p>
             <a:r>
               <a:rPr lang="de-DE" dirty="0"/>
-              <a:t>Man kann sogar Funktionen </a:t>
-            </a:r>
-            <a:r>
-              <a:rPr lang="de-DE" dirty="0" smtClean="0"/>
-              <a:t>in </a:t>
-            </a:r>
-            <a:r>
-              <a:rPr lang="en-US" dirty="0" err="1" smtClean="0"/>
+              <a:t>Man kann sogar Funktionen in </a:t>
+            </a:r>
+            <a:r>
+              <a:rPr lang="en-US" dirty="0" err="1"/>
               <a:t>Objekten</a:t>
-            </a:r>
-            <a:r>
-              <a:rPr lang="en-US" dirty="0" smtClean="0"/>
-              <a:t> </a:t>
-            </a:r>
-            <a:r>
-              <a:rPr lang="en-US" dirty="0" err="1" smtClean="0"/>
-              <a:t>definieren</a:t>
-            </a:r>
-            <a:endParaRPr lang="en-US" dirty="0"/>
-          </a:p>
-          <a:p>
-            <a:r>
-              <a:rPr lang="en-US" dirty="0" err="1" smtClean="0"/>
-              <a:t>dabei</a:t>
-            </a:r>
-            <a:r>
-              <a:rPr lang="en-US" dirty="0" smtClean="0"/>
-              <a:t> </a:t>
-            </a:r>
-            <a:r>
-              <a:rPr lang="en-US" dirty="0" err="1" smtClean="0"/>
-              <a:t>kann</a:t>
             </a:r>
             <a:r>
               <a:rPr lang="en-US" dirty="0"/>
               <a:t> </a:t>
             </a:r>
             <a:r>
-              <a:rPr lang="en-US" dirty="0" smtClean="0"/>
-              <a:t>man </a:t>
+              <a:rPr lang="en-US" dirty="0" err="1"/>
+              <a:t>definieren</a:t>
+            </a:r>
+            <a:endParaRPr lang="en-US" dirty="0"/>
+          </a:p>
+          <a:p>
+            <a:r>
+              <a:rPr lang="en-US" dirty="0" err="1"/>
+              <a:t>dabei</a:t>
+            </a:r>
+            <a:r>
+              <a:rPr lang="en-US" dirty="0"/>
+              <a:t> </a:t>
+            </a:r>
+            <a:r>
+              <a:rPr lang="en-US" dirty="0" err="1"/>
+              <a:t>kann</a:t>
+            </a:r>
+            <a:r>
+              <a:rPr lang="en-US" dirty="0"/>
+              <a:t> man </a:t>
             </a:r>
             <a:r>
               <a:rPr lang="en-US" dirty="0" err="1"/>
@@ -5106,20 +7081,78 @@
               <a:t> </a:t>
             </a:r>
             <a:r>
-              <a:rPr lang="en-US" dirty="0" err="1" smtClean="0"/>
+              <a:rPr lang="en-US" dirty="0" err="1"/>
               <a:t>oder</a:t>
+            </a:r>
+            <a:r>
+              <a:rPr lang="en-US" dirty="0"/>
+              <a:t> Arrow-Functions </a:t>
+            </a:r>
+            <a:r>
+              <a:rPr lang="en-US" dirty="0" err="1"/>
+              <a:t>nutzen</a:t>
+            </a:r>
+            <a:r>
+              <a:rPr lang="en-US" dirty="0"/>
+              <a:t>.</a:t>
+            </a:r>
+          </a:p>
+          <a:p>
+            <a:r>
+              <a:rPr lang="en-US" dirty="0"/>
+              <a:t>So </a:t>
+            </a:r>
+            <a:r>
+              <a:rPr lang="en-US" dirty="0" err="1"/>
+              <a:t>kann</a:t>
+            </a:r>
+            <a:r>
+              <a:rPr lang="en-US" dirty="0"/>
+              <a:t> man </a:t>
+            </a:r>
+            <a:r>
+              <a:rPr lang="en-US" dirty="0" err="1"/>
+              <a:t>beispielsweise</a:t>
             </a:r>
             <a:r>
               <a:rPr lang="en-US" dirty="0"/>
               <a:t> </a:t>
             </a:r>
             <a:r>
-              <a:rPr lang="en-US" dirty="0" smtClean="0"/>
-              <a:t>Arrow-Functions </a:t>
-            </a:r>
-            <a:r>
               <a:rPr lang="en-US" dirty="0" err="1"/>
-              <a:t>nutzen</a:t>
+              <a:t>Funktionen</a:t>
+            </a:r>
+            <a:r>
+              <a:rPr lang="en-US" dirty="0"/>
+              <a:t>, die </a:t>
+            </a:r>
+            <a:r>
+              <a:rPr lang="en-US" dirty="0" err="1"/>
+              <a:t>thematisch</a:t>
+            </a:r>
+            <a:r>
+              <a:rPr lang="en-US" dirty="0"/>
+              <a:t> </a:t>
+            </a:r>
+            <a:r>
+              <a:rPr lang="en-US" dirty="0" err="1"/>
+              <a:t>zusammen</a:t>
+            </a:r>
+            <a:r>
+              <a:rPr lang="en-US" dirty="0"/>
+              <a:t> </a:t>
+            </a:r>
+            <a:r>
+              <a:rPr lang="en-US" dirty="0" err="1"/>
+              <a:t>passen</a:t>
+            </a:r>
+            <a:r>
+              <a:rPr lang="en-US" dirty="0"/>
+              <a:t>, </a:t>
+            </a:r>
+            <a:r>
+              <a:rPr lang="en-US" dirty="0" err="1"/>
+              <a:t>gruppieren</a:t>
             </a:r>
             <a:r>
               <a:rPr lang="en-US" dirty="0"/>
@@ -5128,69 +7161,7 @@
           </a:p>
           <a:p>
             <a:r>
-              <a:rPr lang="en-US" dirty="0"/>
-              <a:t>So </a:t>
-            </a:r>
-            <a:r>
-              <a:rPr lang="en-US" dirty="0" err="1"/>
-              <a:t>kann</a:t>
-            </a:r>
-            <a:r>
-              <a:rPr lang="en-US" dirty="0"/>
-              <a:t> man </a:t>
-            </a:r>
-            <a:r>
-              <a:rPr lang="en-US" dirty="0" err="1" smtClean="0"/>
-              <a:t>beispielsweise</a:t>
-            </a:r>
-            <a:r>
-              <a:rPr lang="en-US" dirty="0"/>
-              <a:t> </a:t>
-            </a:r>
-            <a:r>
-              <a:rPr lang="en-US" dirty="0" err="1" smtClean="0"/>
-              <a:t>Funktionen</a:t>
-            </a:r>
-            <a:r>
-              <a:rPr lang="en-US" dirty="0"/>
-              <a:t>, die </a:t>
-            </a:r>
-            <a:r>
-              <a:rPr lang="en-US" dirty="0" err="1" smtClean="0"/>
-              <a:t>thematisch</a:t>
-            </a:r>
-            <a:r>
-              <a:rPr lang="en-US" dirty="0"/>
-              <a:t> </a:t>
-            </a:r>
-            <a:r>
-              <a:rPr lang="en-US" dirty="0" err="1" smtClean="0"/>
-              <a:t>zusammen</a:t>
-            </a:r>
-            <a:r>
-              <a:rPr lang="en-US" dirty="0" smtClean="0"/>
-              <a:t> </a:t>
-            </a:r>
-            <a:r>
-              <a:rPr lang="en-US" dirty="0" err="1"/>
-              <a:t>passen</a:t>
-            </a:r>
-            <a:r>
-              <a:rPr lang="en-US" dirty="0"/>
-              <a:t>, </a:t>
-            </a:r>
-            <a:r>
-              <a:rPr lang="en-US" dirty="0" err="1"/>
-              <a:t>gruppieren</a:t>
-            </a:r>
-            <a:r>
-              <a:rPr lang="en-US" dirty="0" smtClean="0"/>
-              <a:t>.</a:t>
-            </a:r>
-          </a:p>
-          <a:p>
-            <a:r>
-              <a:rPr lang="de-AT" dirty="0" smtClean="0"/>
+              <a:rPr lang="de-AT" dirty="0"/>
               <a:t>Funktionen die innerhalb eines Objektes definiert sind, werden „Methoden“ genannt</a:t>
             </a:r>
             <a:endParaRPr lang="en-US" dirty="0"/>
@@ -5231,17 +7202,10 @@
   <p:clrMapOvr>
     <a:masterClrMapping/>
   </p:clrMapOvr>
-  <p:timing>
-    <p:tnLst>
-      <p:par>
-        <p:cTn id="1" dur="indefinite" restart="never" nodeType="tmRoot"/>
-      </p:par>
-    </p:tnLst>
-  </p:timing>
 </p:sld>
 </file>
 
-<file path=ppt/slides/slide14.xml><?xml version="1.0" encoding="utf-8"?>
+<file path=ppt/slides/slide19.xml><?xml version="1.0" encoding="utf-8"?>
 <p:sld xmlns:a="http://schemas.openxmlformats.org/drawingml/2006/main" xmlns:r="http://schemas.openxmlformats.org/officeDocument/2006/relationships" xmlns:p="http://schemas.openxmlformats.org/presentationml/2006/main">
   <p:cSld>
     <p:spTree>
@@ -5279,7 +7243,7 @@
           <a:lstStyle/>
           <a:p>
             <a:r>
-              <a:rPr lang="de-AT" dirty="0" smtClean="0"/>
+              <a:rPr lang="de-AT" dirty="0"/>
               <a:t>Übungen zu Arrays &amp; Objekte</a:t>
             </a:r>
             <a:endParaRPr lang="en-US" dirty="0"/>
@@ -5313,15 +7277,7 @@
             </a:pPr>
             <a:r>
               <a:rPr lang="de-DE" dirty="0"/>
-              <a:t>1. </a:t>
-            </a:r>
-            <a:r>
-              <a:rPr lang="de-DE" dirty="0" smtClean="0"/>
-              <a:t>Definiere </a:t>
-            </a:r>
-            <a:r>
-              <a:rPr lang="de-DE" dirty="0"/>
-              <a:t>die Wochentage in einem </a:t>
+              <a:t>1. Definiere die Wochentage in einem </a:t>
             </a:r>
             <a:r>
               <a:rPr lang="de-DE" b="1" dirty="0"/>
@@ -5329,15 +7285,7 @@
             </a:r>
             <a:r>
               <a:rPr lang="de-DE" dirty="0"/>
-              <a:t>, lese vom Nutzer eine Zahl von </a:t>
-            </a:r>
-            <a:r>
-              <a:rPr lang="de-DE" dirty="0" smtClean="0"/>
-              <a:t>1-7 ein </a:t>
-            </a:r>
-            <a:r>
-              <a:rPr lang="de-DE" dirty="0"/>
-              <a:t>und gib den entsprechenden Wochentag aus dem Array aus.</a:t>
+              <a:t>, lese vom Nutzer eine Zahl von 1-7 ein und gib den entsprechenden Wochentag aus dem Array aus.</a:t>
             </a:r>
           </a:p>
           <a:p>
@@ -5346,15 +7294,7 @@
             </a:pPr>
             <a:r>
               <a:rPr lang="de-DE" dirty="0"/>
-              <a:t>2. </a:t>
-            </a:r>
-            <a:r>
-              <a:rPr lang="de-DE" dirty="0" smtClean="0"/>
-              <a:t>Definiere </a:t>
-            </a:r>
-            <a:r>
-              <a:rPr lang="de-DE" dirty="0"/>
-              <a:t>ein </a:t>
+              <a:t>2. Definiere ein </a:t>
             </a:r>
             <a:r>
               <a:rPr lang="de-DE" b="1" dirty="0"/>
@@ -5370,23 +7310,7 @@
             </a:r>
             <a:r>
               <a:rPr lang="de-DE" dirty="0"/>
-              <a:t> Fahrzeugs (</a:t>
-            </a:r>
-            <a:r>
-              <a:rPr lang="de-DE" dirty="0" smtClean="0"/>
-              <a:t>Auto, Motorrad</a:t>
-            </a:r>
-            <a:r>
-              <a:rPr lang="de-DE" dirty="0"/>
-              <a:t>, Fahrrad, ...), dabei sollten verschiedene Datentypen </a:t>
-            </a:r>
-            <a:r>
-              <a:rPr lang="de-DE" dirty="0" smtClean="0"/>
-              <a:t>verwendet werden</a:t>
-            </a:r>
-            <a:r>
-              <a:rPr lang="de-DE" dirty="0"/>
-              <a:t>. Gebt die Daten mit einem Template </a:t>
+              <a:t> Fahrzeugs (Auto, Motorrad, Fahrrad, ...), dabei sollten verschiedene Datentypen verwendet werden. Gebt die Daten mit einem Template </a:t>
             </a:r>
             <a:r>
               <a:rPr lang="de-DE" dirty="0" err="1"/>
@@ -5403,15 +7327,7 @@
             </a:pPr>
             <a:r>
               <a:rPr lang="de-DE" dirty="0"/>
-              <a:t>3. </a:t>
-            </a:r>
-            <a:r>
-              <a:rPr lang="de-DE" dirty="0" smtClean="0"/>
-              <a:t>Definiere </a:t>
-            </a:r>
-            <a:r>
-              <a:rPr lang="de-DE" dirty="0"/>
-              <a:t>die abgebildete Tabelle als </a:t>
+              <a:t>3. Definiere die abgebildete Tabelle als </a:t>
             </a:r>
             <a:r>
               <a:rPr lang="de-DE" b="1" dirty="0"/>
@@ -5419,27 +7335,11 @@
             </a:r>
             <a:r>
               <a:rPr lang="de-DE" dirty="0"/>
-              <a:t>und lass </a:t>
-            </a:r>
-            <a:r>
-              <a:rPr lang="de-DE" dirty="0" smtClean="0"/>
-              <a:t>den Benutzer </a:t>
-            </a:r>
-            <a:r>
-              <a:rPr lang="de-DE" dirty="0"/>
-              <a:t>eine Zeilen und Spaltennummer angeben, gib den gewünschten </a:t>
-            </a:r>
-            <a:r>
-              <a:rPr lang="de-DE" dirty="0" smtClean="0"/>
-              <a:t>Wert </a:t>
-            </a:r>
-            <a:r>
-              <a:rPr lang="en-US" dirty="0" err="1" smtClean="0"/>
-              <a:t>aus</a:t>
+              <a:t>und lass den Benutzer eine Zeilen und Spaltennummer angeben, gib den gewünschten Wert </a:t>
             </a:r>
             <a:r>
               <a:rPr lang="en-US" dirty="0" err="1"/>
-              <a:t>.</a:t>
+              <a:t>aus.</a:t>
             </a:r>
             <a:endParaRPr lang="en-US" dirty="0"/>
           </a:p>
@@ -5449,15 +7349,7 @@
             </a:pPr>
             <a:r>
               <a:rPr lang="de-DE" dirty="0"/>
-              <a:t>4</a:t>
-            </a:r>
-            <a:r>
-              <a:rPr lang="de-DE" dirty="0" smtClean="0"/>
-              <a:t>. </a:t>
-            </a:r>
-            <a:r>
-              <a:rPr lang="de-DE" dirty="0"/>
-              <a:t>Lege die selbe Tabelle als </a:t>
+              <a:t>4. Lege die selbe Tabelle als </a:t>
             </a:r>
             <a:r>
               <a:rPr lang="de-DE" b="1" dirty="0"/>
@@ -5465,23 +7357,7 @@
             </a:r>
             <a:r>
               <a:rPr lang="de-DE" dirty="0"/>
-              <a:t>an, wobei die </a:t>
-            </a:r>
-            <a:r>
-              <a:rPr lang="de-DE" dirty="0" smtClean="0"/>
-              <a:t>Spaltennamen die </a:t>
-            </a:r>
-            <a:r>
-              <a:rPr lang="de-DE" dirty="0"/>
-              <a:t>Schlüssel in den Objekten darstellen. Lass den Nutzer eine </a:t>
-            </a:r>
-            <a:r>
-              <a:rPr lang="de-DE" dirty="0" smtClean="0"/>
-              <a:t>Zeilennummer und </a:t>
-            </a:r>
-            <a:r>
-              <a:rPr lang="de-DE" dirty="0"/>
-              <a:t>den Namen einer Spalte angeben, gib den gewünschten Wert aus.</a:t>
+              <a:t>an, wobei die Spaltennamen die Schlüssel in den Objekten darstellen. Lass den Nutzer eine Zeilennummer und den Namen einer Spalte angeben, gib den gewünschten Wert aus.</a:t>
             </a:r>
             <a:endParaRPr lang="en-US" dirty="0"/>
           </a:p>
@@ -5521,17 +7397,10 @@
   <p:clrMapOvr>
     <a:masterClrMapping/>
   </p:clrMapOvr>
-  <p:timing>
-    <p:tnLst>
-      <p:par>
-        <p:cTn id="1" dur="indefinite" restart="never" nodeType="tmRoot"/>
-      </p:par>
-    </p:tnLst>
-  </p:timing>
 </p:sld>
 </file>
 
-<file path=ppt/slides/slide15.xml><?xml version="1.0" encoding="utf-8"?>
+<file path=ppt/slides/slide2.xml><?xml version="1.0" encoding="utf-8"?>
 <p:sld xmlns:a="http://schemas.openxmlformats.org/drawingml/2006/main" xmlns:r="http://schemas.openxmlformats.org/officeDocument/2006/relationships" xmlns:p="http://schemas.openxmlformats.org/presentationml/2006/main">
   <p:cSld>
     <p:spTree>
@@ -5550,7 +7419,13 @@
       </p:grpSpPr>
       <p:sp>
         <p:nvSpPr>
-          <p:cNvPr id="2" name="Titel 1"/>
+          <p:cNvPr id="2" name="Titel 1">
+            <a:extLst>
+              <a:ext uri="{FF2B5EF4-FFF2-40B4-BE49-F238E27FC236}">
+                <a16:creationId xmlns:a16="http://schemas.microsoft.com/office/drawing/2014/main" id="{F456F2BD-014F-4CE8-F0A5-D27F59C9E63B}"/>
+              </a:ext>
+            </a:extLst>
+          </p:cNvPr>
           <p:cNvSpPr>
             <a:spLocks noGrp="1"/>
           </p:cNvSpPr>
@@ -5558,13 +7433,251 @@
             <p:ph type="title"/>
           </p:nvPr>
         </p:nvSpPr>
-        <p:spPr/>
+        <p:spPr>
+          <a:xfrm>
+            <a:off x="1611922" y="501162"/>
+            <a:ext cx="8915402" cy="1371600"/>
+          </a:xfrm>
+        </p:spPr>
         <p:txBody>
           <a:bodyPr/>
           <a:lstStyle/>
           <a:p>
             <a:r>
-              <a:rPr lang="de-AT" dirty="0" err="1" smtClean="0"/>
+              <a:rPr lang="de-AT" dirty="0"/>
+              <a:t>Übersicht</a:t>
+            </a:r>
+          </a:p>
+        </p:txBody>
+      </p:sp>
+      <p:sp>
+        <p:nvSpPr>
+          <p:cNvPr id="3" name="Inhaltsplatzhalter 2">
+            <a:extLst>
+              <a:ext uri="{FF2B5EF4-FFF2-40B4-BE49-F238E27FC236}">
+                <a16:creationId xmlns:a16="http://schemas.microsoft.com/office/drawing/2014/main" id="{58EE4AEB-AC98-AED7-8380-7DB99A4C304C}"/>
+              </a:ext>
+            </a:extLst>
+          </p:cNvPr>
+          <p:cNvSpPr>
+            <a:spLocks noGrp="1"/>
+          </p:cNvSpPr>
+          <p:nvPr>
+            <p:ph idx="1"/>
+          </p:nvPr>
+        </p:nvSpPr>
+        <p:spPr>
+          <a:xfrm>
+            <a:off x="1487028" y="1503646"/>
+            <a:ext cx="4913503" cy="5006131"/>
+          </a:xfrm>
+        </p:spPr>
+        <p:txBody>
+          <a:bodyPr>
+            <a:normAutofit/>
+          </a:bodyPr>
+          <a:lstStyle/>
+          <a:p>
+            <a:r>
+              <a:rPr lang="de-AT" sz="1600" dirty="0"/>
+              <a:t>Arrays</a:t>
+            </a:r>
+          </a:p>
+          <a:p>
+            <a:pPr lvl="1"/>
+            <a:r>
+              <a:rPr lang="de-AT" sz="1400" dirty="0"/>
+              <a:t>Grundlagen</a:t>
+            </a:r>
+          </a:p>
+          <a:p>
+            <a:pPr lvl="1"/>
+            <a:r>
+              <a:rPr lang="de-AT" sz="1400" dirty="0"/>
+              <a:t>Zugriff</a:t>
+            </a:r>
+          </a:p>
+          <a:p>
+            <a:pPr lvl="1"/>
+            <a:r>
+              <a:rPr lang="de-AT" sz="1400" dirty="0"/>
+              <a:t>Befüllen und verändern</a:t>
+            </a:r>
+          </a:p>
+          <a:p>
+            <a:pPr lvl="1"/>
+            <a:r>
+              <a:rPr lang="de-AT" sz="1400" dirty="0"/>
+              <a:t>Mehrdimensionale Arrays</a:t>
+            </a:r>
+          </a:p>
+          <a:p>
+            <a:r>
+              <a:rPr lang="de-AT" sz="1600" dirty="0"/>
+              <a:t>Array Methoden</a:t>
+            </a:r>
+          </a:p>
+          <a:p>
+            <a:pPr lvl="1"/>
+            <a:r>
+              <a:rPr lang="de-AT" sz="1400" dirty="0"/>
+              <a:t>Allgemeine Methoden</a:t>
+            </a:r>
+          </a:p>
+          <a:p>
+            <a:pPr lvl="1"/>
+            <a:r>
+              <a:rPr lang="de-AT" sz="1400" dirty="0"/>
+              <a:t>Iterationen</a:t>
+            </a:r>
+          </a:p>
+          <a:p>
+            <a:r>
+              <a:rPr lang="de-AT" sz="1600" dirty="0"/>
+              <a:t>Objekte</a:t>
+            </a:r>
+          </a:p>
+          <a:p>
+            <a:pPr lvl="1"/>
+            <a:r>
+              <a:rPr lang="de-AT" sz="1400" dirty="0"/>
+              <a:t>Grundlagen</a:t>
+            </a:r>
+          </a:p>
+          <a:p>
+            <a:pPr lvl="1"/>
+            <a:r>
+              <a:rPr lang="de-AT" sz="1400" dirty="0"/>
+              <a:t>Verändern &amp; Erweitern</a:t>
+            </a:r>
+          </a:p>
+          <a:p>
+            <a:pPr lvl="1"/>
+            <a:r>
+              <a:rPr lang="de-AT" sz="1400" dirty="0"/>
+              <a:t>Objekte und Arrays kombinieren</a:t>
+            </a:r>
+          </a:p>
+          <a:p>
+            <a:pPr marL="274320" lvl="1" indent="0">
+              <a:buNone/>
+            </a:pPr>
+            <a:endParaRPr lang="de-AT" sz="1400" dirty="0"/>
+          </a:p>
+          <a:p>
+            <a:pPr lvl="1"/>
+            <a:endParaRPr lang="de-AT" sz="1400" dirty="0"/>
+          </a:p>
+          <a:p>
+            <a:pPr lvl="1"/>
+            <a:endParaRPr lang="de-AT" sz="1400" dirty="0"/>
+          </a:p>
+          <a:p>
+            <a:endParaRPr lang="de-AT" sz="1600" dirty="0"/>
+          </a:p>
+          <a:p>
+            <a:pPr marL="0" indent="0">
+              <a:buNone/>
+            </a:pPr>
+            <a:endParaRPr lang="de-AT" sz="1600" dirty="0"/>
+          </a:p>
+          <a:p>
+            <a:pPr lvl="2"/>
+            <a:endParaRPr lang="de-AT" sz="1200" dirty="0"/>
+          </a:p>
+          <a:p>
+            <a:endParaRPr lang="de-AT" sz="1600" dirty="0"/>
+          </a:p>
+        </p:txBody>
+      </p:sp>
+      <p:pic>
+        <p:nvPicPr>
+          <p:cNvPr id="1026" name="Picture 2" descr="JavaScript logo and symbol, meaning, history, PNG"/>
+          <p:cNvPicPr>
+            <a:picLocks noChangeAspect="1" noChangeArrowheads="1"/>
+          </p:cNvPicPr>
+          <p:nvPr/>
+        </p:nvPicPr>
+        <p:blipFill>
+          <a:blip r:embed="rId2" cstate="hqprint">
+            <a:extLst>
+              <a:ext uri="{28A0092B-C50C-407E-A947-70E740481C1C}">
+                <a14:useLocalDpi xmlns:a14="http://schemas.microsoft.com/office/drawing/2010/main" val="0"/>
+              </a:ext>
+            </a:extLst>
+          </a:blip>
+          <a:srcRect/>
+          <a:stretch>
+            <a:fillRect/>
+          </a:stretch>
+        </p:blipFill>
+        <p:spPr bwMode="auto">
+          <a:xfrm>
+            <a:off x="6794841" y="2040622"/>
+            <a:ext cx="5081025" cy="3175640"/>
+          </a:xfrm>
+          <a:prstGeom prst="rect">
+            <a:avLst/>
+          </a:prstGeom>
+          <a:noFill/>
+          <a:extLst>
+            <a:ext uri="{909E8E84-426E-40DD-AFC4-6F175D3DCCD1}">
+              <a14:hiddenFill xmlns:a14="http://schemas.microsoft.com/office/drawing/2010/main">
+                <a:solidFill>
+                  <a:srgbClr val="FFFFFF"/>
+                </a:solidFill>
+              </a14:hiddenFill>
+            </a:ext>
+          </a:extLst>
+        </p:spPr>
+      </p:pic>
+    </p:spTree>
+    <p:extLst>
+      <p:ext uri="{BB962C8B-B14F-4D97-AF65-F5344CB8AC3E}">
+        <p14:creationId xmlns:p14="http://schemas.microsoft.com/office/powerpoint/2010/main" val="2711513053"/>
+      </p:ext>
+    </p:extLst>
+  </p:cSld>
+  <p:clrMapOvr>
+    <a:masterClrMapping/>
+  </p:clrMapOvr>
+</p:sld>
+</file>
+
+<file path=ppt/slides/slide20.xml><?xml version="1.0" encoding="utf-8"?>
+<p:sld xmlns:a="http://schemas.openxmlformats.org/drawingml/2006/main" xmlns:r="http://schemas.openxmlformats.org/officeDocument/2006/relationships" xmlns:p="http://schemas.openxmlformats.org/presentationml/2006/main">
+  <p:cSld>
+    <p:spTree>
+      <p:nvGrpSpPr>
+        <p:cNvPr id="1" name=""/>
+        <p:cNvGrpSpPr/>
+        <p:nvPr/>
+      </p:nvGrpSpPr>
+      <p:grpSpPr>
+        <a:xfrm>
+          <a:off x="0" y="0"/>
+          <a:ext cx="0" cy="0"/>
+          <a:chOff x="0" y="0"/>
+          <a:chExt cx="0" cy="0"/>
+        </a:xfrm>
+      </p:grpSpPr>
+      <p:sp>
+        <p:nvSpPr>
+          <p:cNvPr id="2" name="Titel 1"/>
+          <p:cNvSpPr>
+            <a:spLocks noGrp="1"/>
+          </p:cNvSpPr>
+          <p:nvPr>
+            <p:ph type="title"/>
+          </p:nvPr>
+        </p:nvSpPr>
+        <p:spPr/>
+        <p:txBody>
+          <a:bodyPr/>
+          <a:lstStyle/>
+          <a:p>
+            <a:r>
+              <a:rPr lang="de-AT" dirty="0" err="1"/>
               <a:t>Konstruktorfunktion</a:t>
             </a:r>
             <a:endParaRPr lang="en-US" dirty="0"/>
@@ -5677,7 +7790,7 @@
 </p:sld>
 </file>
 
-<file path=ppt/slides/slide16.xml><?xml version="1.0" encoding="utf-8"?>
+<file path=ppt/slides/slide21.xml><?xml version="1.0" encoding="utf-8"?>
 <p:sld xmlns:a="http://schemas.openxmlformats.org/drawingml/2006/main" xmlns:r="http://schemas.openxmlformats.org/officeDocument/2006/relationships" xmlns:p="http://schemas.openxmlformats.org/presentationml/2006/main">
   <p:cSld>
     <p:spTree>
@@ -5710,7 +7823,7 @@
           <a:lstStyle/>
           <a:p>
             <a:r>
-              <a:rPr lang="de-AT" dirty="0" smtClean="0"/>
+              <a:rPr lang="de-AT" dirty="0"/>
               <a:t>Factory Pattern</a:t>
             </a:r>
             <a:endParaRPr lang="en-US" dirty="0"/>
@@ -5738,12 +7851,8 @@
           <a:lstStyle/>
           <a:p>
             <a:r>
-              <a:rPr lang="de-DE" dirty="0" smtClean="0"/>
-              <a:t>Das </a:t>
-            </a:r>
-            <a:r>
               <a:rPr lang="de-DE" dirty="0"/>
-              <a:t>Fabrikmuster ermöglicht die Erstellung von Objekten ohne Verwendung des '</a:t>
+              <a:t>Das Fabrikmuster ermöglicht die Erstellung von Objekten ohne Verwendung des '</a:t>
             </a:r>
             <a:r>
               <a:rPr lang="de-DE" dirty="0" err="1"/>
@@ -5751,47 +7860,25 @@
             </a:r>
             <a:r>
               <a:rPr lang="de-DE" dirty="0"/>
-              <a:t>'-</a:t>
-            </a:r>
-            <a:r>
-              <a:rPr lang="de-DE" dirty="0" smtClean="0"/>
-              <a:t>Schlüsselworts</a:t>
-            </a:r>
-          </a:p>
-          <a:p>
-            <a:r>
-              <a:rPr lang="de-DE" dirty="0" smtClean="0"/>
-              <a:t>Es </a:t>
-            </a:r>
+              <a:t>'-Schlüsselworts</a:t>
+            </a:r>
+          </a:p>
+          <a:p>
             <a:r>
               <a:rPr lang="de-DE" dirty="0"/>
-              <a:t>verwendet eine Funktion, die ein Objekt mit Eigenschaften und möglicherweise Methoden </a:t>
-            </a:r>
-            <a:r>
-              <a:rPr lang="de-DE" dirty="0" smtClean="0"/>
-              <a:t>zurückgibt</a:t>
-            </a:r>
-            <a:endParaRPr lang="de-DE" dirty="0"/>
-          </a:p>
-          <a:p>
-            <a:r>
-              <a:rPr lang="de-DE" dirty="0" smtClean="0"/>
-              <a:t> </a:t>
-            </a:r>
+              <a:t>Es verwendet eine Funktion, die ein Objekt mit Eigenschaften und möglicherweise Methoden zurückgibt</a:t>
+            </a:r>
+          </a:p>
+          <a:p>
             <a:r>
               <a:rPr lang="de-DE" dirty="0"/>
-              <a:t>Dieses Muster ist flexibler und erlaubt mehr Kontrolle über den Erstellungsprozess. </a:t>
-            </a:r>
-            <a:endParaRPr lang="de-DE" dirty="0"/>
-          </a:p>
-          <a:p>
-            <a:r>
-              <a:rPr lang="de-DE" dirty="0" smtClean="0"/>
-              <a:t>Es </a:t>
-            </a:r>
+              <a:t> Dieses Muster ist flexibler und erlaubt mehr Kontrolle über den Erstellungsprozess. </a:t>
+            </a:r>
+          </a:p>
+          <a:p>
             <a:r>
               <a:rPr lang="de-DE" dirty="0"/>
-              <a:t>erleichtert die Erstellung von Objekten mit unterschiedlichen Eigenschaftswerten basierend auf den übergebenen Parametern.</a:t>
+              <a:t>Es erleichtert die Erstellung von Objekten mit unterschiedlichen Eigenschaftswerten basierend auf den übergebenen Parametern.</a:t>
             </a:r>
           </a:p>
         </p:txBody>
@@ -5833,7 +7920,7 @@
 </p:sld>
 </file>
 
-<file path=ppt/slides/slide17.xml><?xml version="1.0" encoding="utf-8"?>
+<file path=ppt/slides/slide22.xml><?xml version="1.0" encoding="utf-8"?>
 <p:sld xmlns:a="http://schemas.openxmlformats.org/drawingml/2006/main" xmlns:r="http://schemas.openxmlformats.org/officeDocument/2006/relationships" xmlns:p="http://schemas.openxmlformats.org/presentationml/2006/main">
   <p:cSld>
     <p:spTree>
@@ -5940,246 +8027,6 @@
   <p:clrMapOvr>
     <a:masterClrMapping/>
   </p:clrMapOvr>
-  <p:timing>
-    <p:tnLst>
-      <p:par>
-        <p:cTn id="1" dur="indefinite" restart="never" nodeType="tmRoot"/>
-      </p:par>
-    </p:tnLst>
-  </p:timing>
-</p:sld>
-</file>
-
-<file path=ppt/slides/slide2.xml><?xml version="1.0" encoding="utf-8"?>
-<p:sld xmlns:a="http://schemas.openxmlformats.org/drawingml/2006/main" xmlns:r="http://schemas.openxmlformats.org/officeDocument/2006/relationships" xmlns:p="http://schemas.openxmlformats.org/presentationml/2006/main">
-  <p:cSld>
-    <p:spTree>
-      <p:nvGrpSpPr>
-        <p:cNvPr id="1" name=""/>
-        <p:cNvGrpSpPr/>
-        <p:nvPr/>
-      </p:nvGrpSpPr>
-      <p:grpSpPr>
-        <a:xfrm>
-          <a:off x="0" y="0"/>
-          <a:ext cx="0" cy="0"/>
-          <a:chOff x="0" y="0"/>
-          <a:chExt cx="0" cy="0"/>
-        </a:xfrm>
-      </p:grpSpPr>
-      <p:sp>
-        <p:nvSpPr>
-          <p:cNvPr id="2" name="Titel 1">
-            <a:extLst>
-              <a:ext uri="{FF2B5EF4-FFF2-40B4-BE49-F238E27FC236}">
-                <a16:creationId xmlns:a16="http://schemas.microsoft.com/office/drawing/2014/main" id="{F456F2BD-014F-4CE8-F0A5-D27F59C9E63B}"/>
-              </a:ext>
-            </a:extLst>
-          </p:cNvPr>
-          <p:cNvSpPr>
-            <a:spLocks noGrp="1"/>
-          </p:cNvSpPr>
-          <p:nvPr>
-            <p:ph type="title"/>
-          </p:nvPr>
-        </p:nvSpPr>
-        <p:spPr>
-          <a:xfrm>
-            <a:off x="1611922" y="501162"/>
-            <a:ext cx="8915402" cy="1371600"/>
-          </a:xfrm>
-        </p:spPr>
-        <p:txBody>
-          <a:bodyPr/>
-          <a:lstStyle/>
-          <a:p>
-            <a:r>
-              <a:rPr lang="de-AT" dirty="0"/>
-              <a:t>Übersicht</a:t>
-            </a:r>
-          </a:p>
-        </p:txBody>
-      </p:sp>
-      <p:sp>
-        <p:nvSpPr>
-          <p:cNvPr id="3" name="Inhaltsplatzhalter 2">
-            <a:extLst>
-              <a:ext uri="{FF2B5EF4-FFF2-40B4-BE49-F238E27FC236}">
-                <a16:creationId xmlns:a16="http://schemas.microsoft.com/office/drawing/2014/main" id="{58EE4AEB-AC98-AED7-8380-7DB99A4C304C}"/>
-              </a:ext>
-            </a:extLst>
-          </p:cNvPr>
-          <p:cNvSpPr>
-            <a:spLocks noGrp="1"/>
-          </p:cNvSpPr>
-          <p:nvPr>
-            <p:ph idx="1"/>
-          </p:nvPr>
-        </p:nvSpPr>
-        <p:spPr>
-          <a:xfrm>
-            <a:off x="1487028" y="1503646"/>
-            <a:ext cx="4913503" cy="5006131"/>
-          </a:xfrm>
-        </p:spPr>
-        <p:txBody>
-          <a:bodyPr>
-            <a:normAutofit/>
-          </a:bodyPr>
-          <a:lstStyle/>
-          <a:p>
-            <a:r>
-              <a:rPr lang="de-AT" dirty="0" smtClean="0"/>
-              <a:t>Arrays</a:t>
-            </a:r>
-          </a:p>
-          <a:p>
-            <a:pPr lvl="1"/>
-            <a:r>
-              <a:rPr lang="de-AT" dirty="0" smtClean="0"/>
-              <a:t>Grundlagen</a:t>
-            </a:r>
-          </a:p>
-          <a:p>
-            <a:pPr lvl="1"/>
-            <a:r>
-              <a:rPr lang="de-AT" dirty="0" smtClean="0"/>
-              <a:t>Zugriff</a:t>
-            </a:r>
-          </a:p>
-          <a:p>
-            <a:pPr lvl="1"/>
-            <a:r>
-              <a:rPr lang="de-AT" dirty="0" smtClean="0"/>
-              <a:t>Befüllen und verändern</a:t>
-            </a:r>
-          </a:p>
-          <a:p>
-            <a:pPr lvl="1"/>
-            <a:r>
-              <a:rPr lang="de-AT" dirty="0" smtClean="0"/>
-              <a:t>Mehrdimensionale Arrays</a:t>
-            </a:r>
-          </a:p>
-          <a:p>
-            <a:pPr lvl="1"/>
-            <a:endParaRPr lang="de-AT" dirty="0"/>
-          </a:p>
-          <a:p>
-            <a:r>
-              <a:rPr lang="de-AT" dirty="0" smtClean="0"/>
-              <a:t>Objekte</a:t>
-            </a:r>
-          </a:p>
-          <a:p>
-            <a:pPr lvl="1"/>
-            <a:r>
-              <a:rPr lang="de-AT" dirty="0" smtClean="0"/>
-              <a:t>Grundlagen</a:t>
-            </a:r>
-          </a:p>
-          <a:p>
-            <a:pPr lvl="1"/>
-            <a:r>
-              <a:rPr lang="de-AT" dirty="0" smtClean="0"/>
-              <a:t>Verändern &amp; Erweitern</a:t>
-            </a:r>
-          </a:p>
-          <a:p>
-            <a:pPr lvl="1"/>
-            <a:r>
-              <a:rPr lang="de-AT" dirty="0" smtClean="0"/>
-              <a:t>Objekte und Arrays kombinieren</a:t>
-            </a:r>
-          </a:p>
-          <a:p>
-            <a:pPr lvl="1"/>
-            <a:endParaRPr lang="de-AT" dirty="0" smtClean="0"/>
-          </a:p>
-          <a:p>
-            <a:pPr lvl="1"/>
-            <a:endParaRPr lang="de-AT" dirty="0" smtClean="0"/>
-          </a:p>
-          <a:p>
-            <a:pPr lvl="1"/>
-            <a:endParaRPr lang="de-AT" dirty="0"/>
-          </a:p>
-          <a:p>
-            <a:endParaRPr lang="de-AT" dirty="0"/>
-          </a:p>
-          <a:p>
-            <a:pPr marL="0" indent="0">
-              <a:buNone/>
-            </a:pPr>
-            <a:endParaRPr lang="de-AT" dirty="0"/>
-          </a:p>
-          <a:p>
-            <a:pPr lvl="2"/>
-            <a:endParaRPr lang="de-AT" dirty="0"/>
-          </a:p>
-          <a:p>
-            <a:endParaRPr lang="de-AT" dirty="0"/>
-          </a:p>
-        </p:txBody>
-      </p:sp>
-      <p:pic>
-        <p:nvPicPr>
-          <p:cNvPr id="1026" name="Picture 2" descr="JavaScript logo and symbol, meaning, history, PNG"/>
-          <p:cNvPicPr>
-            <a:picLocks noChangeAspect="1" noChangeArrowheads="1"/>
-          </p:cNvPicPr>
-          <p:nvPr/>
-        </p:nvPicPr>
-        <p:blipFill>
-          <a:blip r:embed="rId2" cstate="hqprint">
-            <a:extLst>
-              <a:ext uri="{28A0092B-C50C-407E-A947-70E740481C1C}">
-                <a14:useLocalDpi xmlns:a14="http://schemas.microsoft.com/office/drawing/2010/main" val="0"/>
-              </a:ext>
-            </a:extLst>
-          </a:blip>
-          <a:srcRect/>
-          <a:stretch>
-            <a:fillRect/>
-          </a:stretch>
-        </p:blipFill>
-        <p:spPr bwMode="auto">
-          <a:xfrm>
-            <a:off x="6761285" y="2057400"/>
-            <a:ext cx="5081025" cy="3175640"/>
-          </a:xfrm>
-          <a:prstGeom prst="rect">
-            <a:avLst/>
-          </a:prstGeom>
-          <a:noFill/>
-          <a:extLst>
-            <a:ext uri="{909E8E84-426E-40DD-AFC4-6F175D3DCCD1}">
-              <a14:hiddenFill xmlns:a14="http://schemas.microsoft.com/office/drawing/2010/main">
-                <a:solidFill>
-                  <a:srgbClr val="FFFFFF"/>
-                </a:solidFill>
-              </a14:hiddenFill>
-            </a:ext>
-          </a:extLst>
-        </p:spPr>
-      </p:pic>
-    </p:spTree>
-    <p:extLst>
-      <p:ext uri="{BB962C8B-B14F-4D97-AF65-F5344CB8AC3E}">
-        <p14:creationId xmlns:p14="http://schemas.microsoft.com/office/powerpoint/2010/main" val="2711513053"/>
-      </p:ext>
-    </p:extLst>
-  </p:cSld>
-  <p:clrMapOvr>
-    <a:masterClrMapping/>
-  </p:clrMapOvr>
-  <p:timing>
-    <p:tnLst>
-      <p:par>
-        <p:cTn id="1" dur="indefinite" restart="never" nodeType="tmRoot"/>
-      </p:par>
-    </p:tnLst>
-  </p:timing>
 </p:sld>
 </file>
 
@@ -6216,7 +8063,7 @@
                 <a16:creationId xmlns:a16="http://schemas.microsoft.com/office/drawing/2014/main" id="{BE229233-9672-4675-99B7-6CBCEF1CD415}"/>
               </a:ext>
               <a:ext uri="{C183D7F6-B498-43B3-948B-1728B52AA6E4}">
-                <adec:decorative xmlns="" xmlns:adec="http://schemas.microsoft.com/office/drawing/2017/decorative" val="1"/>
+                <adec:decorative xmlns:adec="http://schemas.microsoft.com/office/drawing/2017/decorative" val="1"/>
               </a:ext>
             </a:extLst>
           </p:cNvPr>
@@ -6311,7 +8158,7 @@
                 <a16:creationId xmlns:a16="http://schemas.microsoft.com/office/drawing/2014/main" id="{EC5FF010-B53C-46BE-BEEF-AF926A00F67F}"/>
               </a:ext>
               <a:ext uri="{C183D7F6-B498-43B3-948B-1728B52AA6E4}">
-                <adec:decorative xmlns="" xmlns:adec="http://schemas.microsoft.com/office/drawing/2017/decorative" val="1"/>
+                <adec:decorative xmlns:adec="http://schemas.microsoft.com/office/drawing/2017/decorative" val="1"/>
               </a:ext>
             </a:extLst>
           </p:cNvPr>
@@ -6377,7 +8224,7 @@
                 <a16:creationId xmlns:a16="http://schemas.microsoft.com/office/drawing/2014/main" id="{8509AD9C-1F43-4138-A72B-8CA988EDD475}"/>
               </a:ext>
               <a:ext uri="{C183D7F6-B498-43B3-948B-1728B52AA6E4}">
-                <adec:decorative xmlns="" xmlns:adec="http://schemas.microsoft.com/office/drawing/2017/decorative" val="1"/>
+                <adec:decorative xmlns:adec="http://schemas.microsoft.com/office/drawing/2017/decorative" val="1"/>
               </a:ext>
             </a:extLst>
           </p:cNvPr>
@@ -6465,10 +8312,9 @@
           <a:p>
             <a:pPr algn="ctr"/>
             <a:r>
-              <a:rPr lang="de-AT" sz="3200" dirty="0" smtClean="0"/>
+              <a:rPr lang="de-AT" sz="3200" dirty="0"/>
               <a:t>Arrays</a:t>
             </a:r>
-            <a:endParaRPr lang="de-AT" sz="3200" dirty="0"/>
           </a:p>
         </p:txBody>
       </p:sp>
@@ -6523,13 +8369,6 @@
   <p:clrMapOvr>
     <a:masterClrMapping/>
   </p:clrMapOvr>
-  <p:timing>
-    <p:tnLst>
-      <p:par>
-        <p:cTn id="1" dur="indefinite" restart="never" nodeType="tmRoot"/>
-      </p:par>
-    </p:tnLst>
-  </p:timing>
 </p:sld>
 </file>
 
@@ -6566,7 +8405,7 @@
           <a:lstStyle/>
           <a:p>
             <a:r>
-              <a:rPr lang="de-AT" dirty="0" smtClean="0"/>
+              <a:rPr lang="de-AT" dirty="0"/>
               <a:t>Arrays</a:t>
             </a:r>
             <a:endParaRPr lang="en-US" dirty="0"/>
@@ -6601,14 +8440,10 @@
           <a:p>
             <a:r>
               <a:rPr lang="de-DE" dirty="0"/>
-              <a:t>Die Werte eines Arrays können sich auch im Typ unterscheiden, das sollte man </a:t>
-            </a:r>
-            <a:r>
-              <a:rPr lang="de-DE" dirty="0" smtClean="0"/>
-              <a:t>aber v</a:t>
-            </a:r>
-            <a:r>
-              <a:rPr lang="en-US" dirty="0" err="1" smtClean="0"/>
+              <a:t>Die Werte eines Arrays können sich auch im Typ unterscheiden, das sollte man aber v</a:t>
+            </a:r>
+            <a:r>
+              <a:rPr lang="en-US" dirty="0" err="1"/>
               <a:t>ermeiden</a:t>
             </a:r>
             <a:r>
@@ -6619,23 +8454,15 @@
           <a:p>
             <a:r>
               <a:rPr lang="de-DE" dirty="0"/>
-              <a:t>Ein Array wird mit Eckigen Klammern [ ] geschrieben, die einzelnen Werte </a:t>
-            </a:r>
-            <a:r>
-              <a:rPr lang="de-DE" dirty="0" smtClean="0"/>
-              <a:t>mit </a:t>
-            </a:r>
-            <a:r>
-              <a:rPr lang="en-US" dirty="0" err="1" smtClean="0"/>
+              <a:t>Ein Array wird mit Eckigen Klammern [ ] geschrieben, die einzelnen Werte mit </a:t>
+            </a:r>
+            <a:r>
+              <a:rPr lang="en-US" dirty="0" err="1"/>
               <a:t>Kommas</a:t>
             </a:r>
             <a:r>
-              <a:rPr lang="en-US" dirty="0" smtClean="0"/>
-              <a:t> </a:t>
-            </a:r>
-            <a:r>
               <a:rPr lang="en-US" dirty="0"/>
-              <a:t>, </a:t>
+              <a:t> , </a:t>
             </a:r>
             <a:r>
               <a:rPr lang="en-US" dirty="0" err="1"/>
@@ -6939,7 +8766,7 @@
           <a:lstStyle/>
           <a:p>
             <a:r>
-              <a:rPr lang="de-AT" dirty="0" smtClean="0"/>
+              <a:rPr lang="de-AT" dirty="0"/>
               <a:t>Array Zugriff</a:t>
             </a:r>
             <a:endParaRPr lang="en-US" dirty="0"/>
@@ -6984,15 +8811,7 @@
           <a:p>
             <a:r>
               <a:rPr lang="de-DE" dirty="0"/>
-              <a:t>Mit [i] kann man auf eine bestimmten Stelle (Index) im Array zugreifen, wobei </a:t>
-            </a:r>
-            <a:r>
-              <a:rPr lang="de-DE" dirty="0" smtClean="0"/>
-              <a:t>die Erste </a:t>
-            </a:r>
-            <a:r>
-              <a:rPr lang="de-DE" dirty="0"/>
-              <a:t>Stelle den Index </a:t>
+              <a:t>Mit [i] kann man auf eine bestimmten Stelle (Index) im Array zugreifen, wobei die Erste Stelle den Index </a:t>
             </a:r>
             <a:r>
               <a:rPr lang="de-DE" b="1" dirty="0"/>
@@ -7002,16 +8821,11 @@
               <a:rPr lang="de-DE" dirty="0"/>
               <a:t>hat. </a:t>
             </a:r>
-            <a:endParaRPr lang="de-DE" dirty="0" smtClean="0"/>
-          </a:p>
-          <a:p>
-            <a:r>
-              <a:rPr lang="de-DE" dirty="0" smtClean="0"/>
-              <a:t>Der </a:t>
-            </a:r>
+          </a:p>
+          <a:p>
             <a:r>
               <a:rPr lang="de-DE" dirty="0"/>
-              <a:t>Wert von .</a:t>
+              <a:t>Der Wert von .</a:t>
             </a:r>
             <a:r>
               <a:rPr lang="de-DE" dirty="0" err="1"/>
@@ -7019,45 +8833,21 @@
             </a:r>
             <a:r>
               <a:rPr lang="de-DE" dirty="0"/>
-              <a:t> ist also immer um 1 höher als </a:t>
-            </a:r>
-            <a:r>
-              <a:rPr lang="de-DE" dirty="0" smtClean="0"/>
-              <a:t>die letzte </a:t>
-            </a:r>
+              <a:t> ist also immer um 1 höher als die letzte Stelle, auf die man zugreifen kann.</a:t>
+            </a:r>
+          </a:p>
+          <a:p>
             <a:r>
               <a:rPr lang="de-DE" dirty="0"/>
-              <a:t>Stelle, auf die man zugreifen kann.</a:t>
-            </a:r>
-          </a:p>
-          <a:p>
+              <a:t>Greift man auf eine Stelle zu, die außerhalb des Wertebereichs liegt, so erhält man den Wert </a:t>
+            </a:r>
+            <a:r>
+              <a:rPr lang="de-DE" dirty="0" err="1"/>
+              <a:t>undefined</a:t>
+            </a:r>
             <a:r>
               <a:rPr lang="de-DE" dirty="0"/>
-              <a:t>Greift man auf eine Stelle zu, die außerhalb des Wertebereichs liegt, so erhält </a:t>
-            </a:r>
-            <a:r>
-              <a:rPr lang="de-DE" dirty="0" smtClean="0"/>
-              <a:t>man den </a:t>
-            </a:r>
-            <a:r>
-              <a:rPr lang="de-DE" dirty="0"/>
-              <a:t>Wert </a:t>
-            </a:r>
-            <a:r>
-              <a:rPr lang="de-DE" dirty="0" err="1" smtClean="0"/>
-              <a:t>undefined</a:t>
-            </a:r>
-            <a:r>
-              <a:rPr lang="de-DE" dirty="0"/>
-              <a:t>. </a:t>
-            </a:r>
-            <a:r>
-              <a:rPr lang="de-DE" dirty="0" smtClean="0"/>
-              <a:t>Dies </a:t>
-            </a:r>
-            <a:r>
-              <a:rPr lang="de-DE" dirty="0"/>
-              <a:t>ist in JS kein Laufzeitfehler!</a:t>
+              <a:t>. Dies ist in JS kein Laufzeitfehler!</a:t>
             </a:r>
           </a:p>
         </p:txBody>
@@ -7438,26 +9228,13 @@
           <a:p>
             <a:r>
               <a:rPr lang="de-DE" dirty="0"/>
-              <a:t>Mit [i] und einer Zuweisung kann man den Wert der gewünschten </a:t>
-            </a:r>
-            <a:r>
-              <a:rPr lang="de-DE" dirty="0" smtClean="0"/>
-              <a:t>Stelle überschreiben </a:t>
-            </a:r>
+              <a:t>Mit [i] und einer Zuweisung kann man den Wert der gewünschten Stelle überschreiben oder befüllen. </a:t>
+            </a:r>
+          </a:p>
+          <a:p>
             <a:r>
               <a:rPr lang="de-DE" dirty="0"/>
-              <a:t>oder befüllen. </a:t>
-            </a:r>
-            <a:endParaRPr lang="de-DE" dirty="0" smtClean="0"/>
-          </a:p>
-          <a:p>
-            <a:r>
-              <a:rPr lang="de-DE" dirty="0" smtClean="0"/>
-              <a:t>Mit </a:t>
-            </a:r>
-            <a:r>
-              <a:rPr lang="de-DE" dirty="0"/>
-              <a:t>der Funktion .</a:t>
+              <a:t>Mit der Funktion .</a:t>
             </a:r>
             <a:r>
               <a:rPr lang="de-DE" b="1" dirty="0"/>
@@ -7465,15 +9242,7 @@
             </a:r>
             <a:r>
               <a:rPr lang="de-DE" dirty="0"/>
-              <a:t>die man auf die </a:t>
-            </a:r>
-            <a:r>
-              <a:rPr lang="de-DE" dirty="0" smtClean="0"/>
-              <a:t>Variable anwendet</a:t>
-            </a:r>
-            <a:r>
-              <a:rPr lang="de-DE" dirty="0"/>
-              <a:t>, lässt sich ein Wert am Ende des Arrays anhängen, mit .</a:t>
+              <a:t>die man auf die Variable anwendet, lässt sich ein Wert am Ende des Arrays anhängen, mit .</a:t>
             </a:r>
             <a:r>
               <a:rPr lang="de-DE" b="1" dirty="0" err="1"/>
@@ -7484,11 +9253,11 @@
               <a:t>(wert) </a:t>
             </a:r>
             <a:r>
-              <a:rPr lang="de-DE" dirty="0" smtClean="0"/>
+              <a:rPr lang="de-DE" dirty="0"/>
               <a:t>am </a:t>
             </a:r>
             <a:r>
-              <a:rPr lang="en-US" dirty="0" err="1" smtClean="0"/>
+              <a:rPr lang="en-US" dirty="0" err="1"/>
               <a:t>Anfang</a:t>
             </a:r>
             <a:r>
@@ -7521,18 +9290,14 @@
             </a:r>
             <a:r>
               <a:rPr lang="de-DE" dirty="0"/>
-              <a:t> schützt die Variable nur davor, mit einem gänzlich neuen Array </a:t>
-            </a:r>
-            <a:r>
-              <a:rPr lang="de-DE" dirty="0" smtClean="0"/>
-              <a:t>überschrieben </a:t>
-            </a:r>
-            <a:r>
-              <a:rPr lang="en-US" dirty="0" err="1" smtClean="0"/>
+              <a:t> schützt die Variable nur davor, mit einem gänzlich neuen Array überschrieben </a:t>
+            </a:r>
+            <a:r>
+              <a:rPr lang="en-US" dirty="0" err="1"/>
               <a:t>zu</a:t>
             </a:r>
             <a:r>
-              <a:rPr lang="en-US" dirty="0" smtClean="0"/>
+              <a:rPr lang="en-US" dirty="0"/>
               <a:t> </a:t>
             </a:r>
             <a:r>
@@ -7898,7 +9663,7 @@
           <a:lstStyle/>
           <a:p>
             <a:r>
-              <a:rPr lang="de-AT" dirty="0" smtClean="0"/>
+              <a:rPr lang="de-AT" dirty="0"/>
               <a:t>Mehrdimensionale Arrays</a:t>
             </a:r>
             <a:endParaRPr lang="en-US" dirty="0"/>
@@ -7927,56 +9692,19 @@
           <a:p>
             <a:r>
               <a:rPr lang="de-DE" dirty="0"/>
-              <a:t>Arrays können auch Arrays beinhalten, man spricht dann von </a:t>
-            </a:r>
-            <a:r>
-              <a:rPr lang="de-DE" dirty="0" smtClean="0"/>
-              <a:t>Mehrdimensionalen Arrays</a:t>
-            </a:r>
+              <a:t>Arrays können auch Arrays beinhalten, man spricht dann von Mehrdimensionalen Arrays. </a:t>
+            </a:r>
+          </a:p>
+          <a:p>
             <a:r>
               <a:rPr lang="de-DE" dirty="0"/>
-              <a:t>. </a:t>
-            </a:r>
-            <a:endParaRPr lang="de-DE" dirty="0" smtClean="0"/>
-          </a:p>
-          <a:p>
-            <a:r>
-              <a:rPr lang="de-DE" dirty="0" smtClean="0"/>
-              <a:t>Ein </a:t>
-            </a:r>
+              <a:t>Ein Wert in einem Zweidimensionalen Array könnte beispielsweise die Zelle einer Tabelle oder einen Feld auf einem Schachbrett repräsentieren.</a:t>
+            </a:r>
+          </a:p>
+          <a:p>
             <a:r>
               <a:rPr lang="de-DE" dirty="0"/>
-              <a:t>Wert in einem Zweidimensionalen Array könnte beispielsweise die </a:t>
-            </a:r>
-            <a:r>
-              <a:rPr lang="de-DE" dirty="0" smtClean="0"/>
-              <a:t>Zelle einer </a:t>
-            </a:r>
-            <a:r>
-              <a:rPr lang="de-DE" dirty="0"/>
-              <a:t>Tabelle oder einen Feld auf einem Schachbrett repräsentieren.</a:t>
-            </a:r>
-          </a:p>
-          <a:p>
-            <a:r>
-              <a:rPr lang="de-DE" dirty="0"/>
-              <a:t>Mit der ersten eckigen Klammer beim Zugriff erhält man ein inneres Array, mit </a:t>
-            </a:r>
-            <a:r>
-              <a:rPr lang="de-DE" dirty="0" smtClean="0"/>
-              <a:t>der zweiten </a:t>
-            </a:r>
-            <a:r>
-              <a:rPr lang="de-DE" dirty="0"/>
-              <a:t>einen Wert im inneren Array. Bei mehr als zwei Dimensionen folgen </a:t>
-            </a:r>
-            <a:r>
-              <a:rPr lang="de-DE" dirty="0" smtClean="0"/>
-              <a:t>weitere eckige </a:t>
-            </a:r>
-            <a:r>
-              <a:rPr lang="de-DE" dirty="0"/>
-              <a:t>Klammern...</a:t>
+              <a:t>Mit der ersten eckigen Klammer beim Zugriff erhält man ein inneres Array, mit der zweiten einen Wert im inneren Array. Bei mehr als zwei Dimensionen folgen weitere eckige Klammern...</a:t>
             </a:r>
             <a:endParaRPr lang="en-US" dirty="0"/>
           </a:p>
@@ -8273,7 +10001,7 @@
           <a:lstStyle/>
           <a:p>
             <a:r>
-              <a:rPr lang="de-AT" dirty="0" smtClean="0"/>
+              <a:rPr lang="de-AT" dirty="0"/>
               <a:t>Übung zu Arrays „Wer bezahlt die Rechnung“</a:t>
             </a:r>
             <a:endParaRPr lang="en-US" dirty="0"/>
@@ -8303,58 +10031,42 @@
           <a:lstStyle/>
           <a:p>
             <a:r>
-              <a:rPr lang="de-DE" dirty="0" smtClean="0"/>
+              <a:rPr lang="de-DE" dirty="0"/>
               <a:t>Schreibe eine Funktion „</a:t>
             </a:r>
             <a:r>
-              <a:rPr lang="de-DE" dirty="0" err="1" smtClean="0"/>
+              <a:rPr lang="de-DE" dirty="0" err="1"/>
               <a:t>whosPaying</a:t>
             </a:r>
             <a:r>
-              <a:rPr lang="de-DE" dirty="0" smtClean="0"/>
+              <a:rPr lang="de-DE" dirty="0"/>
               <a:t>(</a:t>
             </a:r>
             <a:r>
-              <a:rPr lang="de-DE" dirty="0" err="1" smtClean="0"/>
+              <a:rPr lang="de-DE" dirty="0" err="1"/>
               <a:t>names</a:t>
             </a:r>
             <a:r>
-              <a:rPr lang="de-DE" dirty="0" smtClean="0"/>
-              <a:t>)“, </a:t>
-            </a:r>
-            <a:r>
               <a:rPr lang="de-DE" dirty="0"/>
-              <a:t>die einen zufälligen Namen aus einer Liste von Namen auswählt. Die ausgewählte Person muss die Rechnung für das Essen aller bezahlen.</a:t>
+              <a:t>)“, die einen zufälligen Namen aus einer Liste von Namen auswählt. Die ausgewählte Person muss die Rechnung für das Essen aller bezahlen.</a:t>
             </a:r>
           </a:p>
           <a:p>
             <a:r>
               <a:rPr lang="de-DE" dirty="0"/>
-              <a:t>Wichtig: Das Ergebnis sollte aus der Funktion zurückgegeben werden und </a:t>
-            </a:r>
-            <a:r>
-              <a:rPr lang="de-DE" dirty="0" smtClean="0"/>
-              <a:t>über console.log geloggt werden. </a:t>
-            </a:r>
-          </a:p>
-          <a:p>
-            <a:r>
-              <a:rPr lang="de-DE" dirty="0" smtClean="0"/>
-              <a:t>Das </a:t>
-            </a:r>
+              <a:t>Wichtig: Das Ergebnis sollte aus der Funktion zurückgegeben werden und über console.log geloggt werden. </a:t>
+            </a:r>
+          </a:p>
+          <a:p>
             <a:r>
               <a:rPr lang="de-DE" dirty="0"/>
-              <a:t>Ergebnis sollte genau mit dem Beispielergebnis übereinstimmen, einschließlich Groß- und Kleinschreibung sowie Interpunktion.</a:t>
-            </a:r>
-          </a:p>
-          <a:p>
-            <a:r>
-              <a:rPr lang="de-DE" dirty="0" smtClean="0"/>
-              <a:t>Beispiel-Eingabe: ["</a:t>
-            </a:r>
+              <a:t>Das Ergebnis sollte genau mit dem Beispielergebnis übereinstimmen, einschließlich Groß- und Kleinschreibung sowie Interpunktion.</a:t>
+            </a:r>
+          </a:p>
+          <a:p>
             <a:r>
               <a:rPr lang="de-DE" dirty="0"/>
-              <a:t>Angela", "Ben", "Jenny", "Michael", "</a:t>
+              <a:t>Beispiel-Eingabe: ["Angela", "Ben", "Jenny", "Michael", "</a:t>
             </a:r>
             <a:r>
               <a:rPr lang="de-DE" dirty="0" err="1"/>
@@ -8364,20 +10076,11 @@
               <a:rPr lang="de-DE" dirty="0"/>
               <a:t>"] </a:t>
             </a:r>
-            <a:endParaRPr lang="de-DE" dirty="0" smtClean="0"/>
-          </a:p>
-          <a:p>
-            <a:r>
-              <a:rPr lang="de-DE" dirty="0" smtClean="0"/>
-              <a:t>Beispiel-Ausgabe: Michael </a:t>
-            </a:r>
+          </a:p>
+          <a:p>
             <a:r>
               <a:rPr lang="de-DE" dirty="0"/>
-              <a:t>bezahlt heute das Mittagessen</a:t>
-            </a:r>
-            <a:r>
-              <a:rPr lang="de-DE" dirty="0" smtClean="0"/>
-              <a:t>!„</a:t>
+              <a:t>Beispiel-Ausgabe: Michael bezahlt heute das Mittagessen!„</a:t>
             </a:r>
           </a:p>
           <a:p>
@@ -8446,13 +10149,6 @@
   <p:clrMapOvr>
     <a:masterClrMapping/>
   </p:clrMapOvr>
-  <p:timing>
-    <p:tnLst>
-      <p:par>
-        <p:cTn id="1" dur="indefinite" restart="never" nodeType="tmRoot"/>
-      </p:par>
-    </p:tnLst>
-  </p:timing>
 </p:sld>
 </file>
 
@@ -8489,7 +10185,7 @@
                 <a16:creationId xmlns:a16="http://schemas.microsoft.com/office/drawing/2014/main" id="{BE229233-9672-4675-99B7-6CBCEF1CD415}"/>
               </a:ext>
               <a:ext uri="{C183D7F6-B498-43B3-948B-1728B52AA6E4}">
-                <adec:decorative xmlns="" xmlns:adec="http://schemas.microsoft.com/office/drawing/2017/decorative" val="1"/>
+                <adec:decorative xmlns:adec="http://schemas.microsoft.com/office/drawing/2017/decorative" val="1"/>
               </a:ext>
             </a:extLst>
           </p:cNvPr>
@@ -8584,7 +10280,7 @@
                 <a16:creationId xmlns:a16="http://schemas.microsoft.com/office/drawing/2014/main" id="{EC5FF010-B53C-46BE-BEEF-AF926A00F67F}"/>
               </a:ext>
               <a:ext uri="{C183D7F6-B498-43B3-948B-1728B52AA6E4}">
-                <adec:decorative xmlns="" xmlns:adec="http://schemas.microsoft.com/office/drawing/2017/decorative" val="1"/>
+                <adec:decorative xmlns:adec="http://schemas.microsoft.com/office/drawing/2017/decorative" val="1"/>
               </a:ext>
             </a:extLst>
           </p:cNvPr>
@@ -8650,7 +10346,7 @@
                 <a16:creationId xmlns:a16="http://schemas.microsoft.com/office/drawing/2014/main" id="{8509AD9C-1F43-4138-A72B-8CA988EDD475}"/>
               </a:ext>
               <a:ext uri="{C183D7F6-B498-43B3-948B-1728B52AA6E4}">
-                <adec:decorative xmlns="" xmlns:adec="http://schemas.microsoft.com/office/drawing/2017/decorative" val="1"/>
+                <adec:decorative xmlns:adec="http://schemas.microsoft.com/office/drawing/2017/decorative" val="1"/>
               </a:ext>
             </a:extLst>
           </p:cNvPr>
@@ -8738,10 +10434,9 @@
           <a:p>
             <a:pPr algn="ctr"/>
             <a:r>
-              <a:rPr lang="de-AT" sz="3200" dirty="0" smtClean="0"/>
-              <a:t>Objekte</a:t>
-            </a:r>
-            <a:endParaRPr lang="de-AT" sz="3200" dirty="0"/>
+              <a:rPr lang="de-AT" sz="3200" dirty="0"/>
+              <a:t>Array Methoden </a:t>
+            </a:r>
           </a:p>
         </p:txBody>
       </p:sp>
@@ -8796,13 +10491,6 @@
   <p:clrMapOvr>
     <a:masterClrMapping/>
   </p:clrMapOvr>
-  <p:timing>
-    <p:tnLst>
-      <p:par>
-        <p:cTn id="1" dur="indefinite" restart="never" nodeType="tmRoot"/>
-      </p:par>
-    </p:tnLst>
-  </p:timing>
 </p:sld>
 </file>
 
